--- a/presentation_to_seniors.pptx
+++ b/presentation_to_seniors.pptx
@@ -5,7 +5,7 @@
     <p:sldMasterId id="2147483683" r:id="rId1"/>
   </p:sldMasterIdLst>
   <p:notesMasterIdLst>
-    <p:notesMasterId r:id="rId15"/>
+    <p:notesMasterId r:id="rId17"/>
   </p:notesMasterIdLst>
   <p:sldIdLst>
     <p:sldId id="256" r:id="rId2"/>
@@ -18,37 +18,39 @@
     <p:sldId id="320" r:id="rId9"/>
     <p:sldId id="321" r:id="rId10"/>
     <p:sldId id="296" r:id="rId11"/>
-    <p:sldId id="317" r:id="rId12"/>
-    <p:sldId id="290" r:id="rId13"/>
-    <p:sldId id="318" r:id="rId14"/>
+    <p:sldId id="323" r:id="rId12"/>
+    <p:sldId id="317" r:id="rId13"/>
+    <p:sldId id="290" r:id="rId14"/>
+    <p:sldId id="322" r:id="rId15"/>
+    <p:sldId id="318" r:id="rId16"/>
   </p:sldIdLst>
   <p:sldSz cx="9144000" cy="5143500" type="screen16x9"/>
   <p:notesSz cx="6858000" cy="9144000"/>
   <p:embeddedFontLst>
     <p:embeddedFont>
+      <p:font typeface="Actor" charset="0"/>
+      <p:regular r:id="rId18"/>
+    </p:embeddedFont>
+    <p:embeddedFont>
+      <p:font typeface="Yanone Kaffeesatz" charset="0"/>
+      <p:regular r:id="rId19"/>
+      <p:bold r:id="rId20"/>
+    </p:embeddedFont>
+    <p:embeddedFont>
       <p:font typeface="DM Serif Display" charset="0"/>
-      <p:regular r:id="rId16"/>
-      <p:italic r:id="rId17"/>
+      <p:regular r:id="rId21"/>
+      <p:italic r:id="rId22"/>
+    </p:embeddedFont>
+    <p:embeddedFont>
+      <p:font typeface="Josefin Slab" charset="0"/>
+      <p:regular r:id="rId23"/>
+      <p:bold r:id="rId24"/>
+      <p:italic r:id="rId25"/>
+      <p:boldItalic r:id="rId26"/>
     </p:embeddedFont>
     <p:embeddedFont>
       <p:font typeface="Francois One" charset="0"/>
-      <p:regular r:id="rId18"/>
-    </p:embeddedFont>
-    <p:embeddedFont>
-      <p:font typeface="Actor" charset="0"/>
-      <p:regular r:id="rId19"/>
-    </p:embeddedFont>
-    <p:embeddedFont>
-      <p:font typeface="Josefin Slab" charset="0"/>
-      <p:regular r:id="rId20"/>
-      <p:bold r:id="rId21"/>
-      <p:italic r:id="rId22"/>
-      <p:boldItalic r:id="rId23"/>
-    </p:embeddedFont>
-    <p:embeddedFont>
-      <p:font typeface="Yanone Kaffeesatz" charset="0"/>
-      <p:regular r:id="rId24"/>
-      <p:bold r:id="rId25"/>
+      <p:regular r:id="rId27"/>
     </p:embeddedFont>
   </p:embeddedFontLst>
   <p:defaultTextStyle>
@@ -16579,6 +16581,774 @@
       </p:grpSpPr>
       <p:sp>
         <p:nvSpPr>
+          <p:cNvPr id="10" name="Title 7"/>
+          <p:cNvSpPr txBox="1">
+            <a:spLocks/>
+          </p:cNvSpPr>
+          <p:nvPr/>
+        </p:nvSpPr>
+        <p:spPr>
+          <a:xfrm>
+            <a:off x="683568" y="483518"/>
+            <a:ext cx="7717500" cy="539400"/>
+          </a:xfrm>
+          <a:prstGeom prst="rect">
+            <a:avLst/>
+          </a:prstGeom>
+          <a:noFill/>
+          <a:ln>
+            <a:noFill/>
+          </a:ln>
+        </p:spPr>
+        <p:txBody>
+          <a:bodyPr spcFirstLastPara="1" wrap="square" lIns="91425" tIns="91425" rIns="91425" bIns="91425" anchor="ctr" anchorCtr="0">
+            <a:noAutofit/>
+          </a:bodyPr>
+          <a:lstStyle>
+            <a:defPPr marR="0" lvl="0" algn="l" rtl="0">
+              <a:lnSpc>
+                <a:spcPct val="100000"/>
+              </a:lnSpc>
+              <a:spcBef>
+                <a:spcPts val="0"/>
+              </a:spcBef>
+              <a:spcAft>
+                <a:spcPts val="0"/>
+              </a:spcAft>
+            </a:defPPr>
+            <a:lvl1pPr marR="0" lvl="0" algn="l" rtl="0">
+              <a:lnSpc>
+                <a:spcPct val="80000"/>
+              </a:lnSpc>
+              <a:spcBef>
+                <a:spcPts val="0"/>
+              </a:spcBef>
+              <a:spcAft>
+                <a:spcPts val="0"/>
+              </a:spcAft>
+              <a:buClr>
+                <a:schemeClr val="dk1"/>
+              </a:buClr>
+              <a:buSzPts val="6500"/>
+              <a:buFont typeface="DM Serif Display"/>
+              <a:buNone/>
+              <a:defRPr sz="6000" b="0" i="0" u="none" strike="noStrike" cap="none">
+                <a:solidFill>
+                  <a:schemeClr val="dk1"/>
+                </a:solidFill>
+                <a:latin typeface="DM Serif Display"/>
+                <a:ea typeface="DM Serif Display"/>
+                <a:cs typeface="DM Serif Display"/>
+                <a:sym typeface="DM Serif Display"/>
+              </a:defRPr>
+            </a:lvl1pPr>
+            <a:lvl2pPr marR="0" lvl="1" algn="ctr" rtl="0">
+              <a:lnSpc>
+                <a:spcPct val="100000"/>
+              </a:lnSpc>
+              <a:spcBef>
+                <a:spcPts val="0"/>
+              </a:spcBef>
+              <a:spcAft>
+                <a:spcPts val="0"/>
+              </a:spcAft>
+              <a:buClr>
+                <a:schemeClr val="dk1"/>
+              </a:buClr>
+              <a:buSzPts val="5200"/>
+              <a:buFont typeface="DM Serif Display"/>
+              <a:buNone/>
+              <a:defRPr sz="5200" b="0" i="0" u="none" strike="noStrike" cap="none">
+                <a:solidFill>
+                  <a:schemeClr val="dk1"/>
+                </a:solidFill>
+                <a:latin typeface="DM Serif Display"/>
+                <a:ea typeface="DM Serif Display"/>
+                <a:cs typeface="DM Serif Display"/>
+                <a:sym typeface="DM Serif Display"/>
+              </a:defRPr>
+            </a:lvl2pPr>
+            <a:lvl3pPr marR="0" lvl="2" algn="ctr" rtl="0">
+              <a:lnSpc>
+                <a:spcPct val="100000"/>
+              </a:lnSpc>
+              <a:spcBef>
+                <a:spcPts val="0"/>
+              </a:spcBef>
+              <a:spcAft>
+                <a:spcPts val="0"/>
+              </a:spcAft>
+              <a:buClr>
+                <a:schemeClr val="dk1"/>
+              </a:buClr>
+              <a:buSzPts val="5200"/>
+              <a:buFont typeface="DM Serif Display"/>
+              <a:buNone/>
+              <a:defRPr sz="5200" b="0" i="0" u="none" strike="noStrike" cap="none">
+                <a:solidFill>
+                  <a:schemeClr val="dk1"/>
+                </a:solidFill>
+                <a:latin typeface="DM Serif Display"/>
+                <a:ea typeface="DM Serif Display"/>
+                <a:cs typeface="DM Serif Display"/>
+                <a:sym typeface="DM Serif Display"/>
+              </a:defRPr>
+            </a:lvl3pPr>
+            <a:lvl4pPr marR="0" lvl="3" algn="ctr" rtl="0">
+              <a:lnSpc>
+                <a:spcPct val="100000"/>
+              </a:lnSpc>
+              <a:spcBef>
+                <a:spcPts val="0"/>
+              </a:spcBef>
+              <a:spcAft>
+                <a:spcPts val="0"/>
+              </a:spcAft>
+              <a:buClr>
+                <a:schemeClr val="dk1"/>
+              </a:buClr>
+              <a:buSzPts val="5200"/>
+              <a:buFont typeface="DM Serif Display"/>
+              <a:buNone/>
+              <a:defRPr sz="5200" b="0" i="0" u="none" strike="noStrike" cap="none">
+                <a:solidFill>
+                  <a:schemeClr val="dk1"/>
+                </a:solidFill>
+                <a:latin typeface="DM Serif Display"/>
+                <a:ea typeface="DM Serif Display"/>
+                <a:cs typeface="DM Serif Display"/>
+                <a:sym typeface="DM Serif Display"/>
+              </a:defRPr>
+            </a:lvl4pPr>
+            <a:lvl5pPr marR="0" lvl="4" algn="ctr" rtl="0">
+              <a:lnSpc>
+                <a:spcPct val="100000"/>
+              </a:lnSpc>
+              <a:spcBef>
+                <a:spcPts val="0"/>
+              </a:spcBef>
+              <a:spcAft>
+                <a:spcPts val="0"/>
+              </a:spcAft>
+              <a:buClr>
+                <a:schemeClr val="dk1"/>
+              </a:buClr>
+              <a:buSzPts val="5200"/>
+              <a:buFont typeface="DM Serif Display"/>
+              <a:buNone/>
+              <a:defRPr sz="5200" b="0" i="0" u="none" strike="noStrike" cap="none">
+                <a:solidFill>
+                  <a:schemeClr val="dk1"/>
+                </a:solidFill>
+                <a:latin typeface="DM Serif Display"/>
+                <a:ea typeface="DM Serif Display"/>
+                <a:cs typeface="DM Serif Display"/>
+                <a:sym typeface="DM Serif Display"/>
+              </a:defRPr>
+            </a:lvl5pPr>
+            <a:lvl6pPr marR="0" lvl="5" algn="ctr" rtl="0">
+              <a:lnSpc>
+                <a:spcPct val="100000"/>
+              </a:lnSpc>
+              <a:spcBef>
+                <a:spcPts val="0"/>
+              </a:spcBef>
+              <a:spcAft>
+                <a:spcPts val="0"/>
+              </a:spcAft>
+              <a:buClr>
+                <a:schemeClr val="dk1"/>
+              </a:buClr>
+              <a:buSzPts val="5200"/>
+              <a:buFont typeface="DM Serif Display"/>
+              <a:buNone/>
+              <a:defRPr sz="5200" b="0" i="0" u="none" strike="noStrike" cap="none">
+                <a:solidFill>
+                  <a:schemeClr val="dk1"/>
+                </a:solidFill>
+                <a:latin typeface="DM Serif Display"/>
+                <a:ea typeface="DM Serif Display"/>
+                <a:cs typeface="DM Serif Display"/>
+                <a:sym typeface="DM Serif Display"/>
+              </a:defRPr>
+            </a:lvl6pPr>
+            <a:lvl7pPr marR="0" lvl="6" algn="ctr" rtl="0">
+              <a:lnSpc>
+                <a:spcPct val="100000"/>
+              </a:lnSpc>
+              <a:spcBef>
+                <a:spcPts val="0"/>
+              </a:spcBef>
+              <a:spcAft>
+                <a:spcPts val="0"/>
+              </a:spcAft>
+              <a:buClr>
+                <a:schemeClr val="dk1"/>
+              </a:buClr>
+              <a:buSzPts val="5200"/>
+              <a:buFont typeface="DM Serif Display"/>
+              <a:buNone/>
+              <a:defRPr sz="5200" b="0" i="0" u="none" strike="noStrike" cap="none">
+                <a:solidFill>
+                  <a:schemeClr val="dk1"/>
+                </a:solidFill>
+                <a:latin typeface="DM Serif Display"/>
+                <a:ea typeface="DM Serif Display"/>
+                <a:cs typeface="DM Serif Display"/>
+                <a:sym typeface="DM Serif Display"/>
+              </a:defRPr>
+            </a:lvl7pPr>
+            <a:lvl8pPr marR="0" lvl="7" algn="ctr" rtl="0">
+              <a:lnSpc>
+                <a:spcPct val="100000"/>
+              </a:lnSpc>
+              <a:spcBef>
+                <a:spcPts val="0"/>
+              </a:spcBef>
+              <a:spcAft>
+                <a:spcPts val="0"/>
+              </a:spcAft>
+              <a:buClr>
+                <a:schemeClr val="dk1"/>
+              </a:buClr>
+              <a:buSzPts val="5200"/>
+              <a:buFont typeface="DM Serif Display"/>
+              <a:buNone/>
+              <a:defRPr sz="5200" b="0" i="0" u="none" strike="noStrike" cap="none">
+                <a:solidFill>
+                  <a:schemeClr val="dk1"/>
+                </a:solidFill>
+                <a:latin typeface="DM Serif Display"/>
+                <a:ea typeface="DM Serif Display"/>
+                <a:cs typeface="DM Serif Display"/>
+                <a:sym typeface="DM Serif Display"/>
+              </a:defRPr>
+            </a:lvl8pPr>
+            <a:lvl9pPr marR="0" lvl="8" algn="ctr" rtl="0">
+              <a:lnSpc>
+                <a:spcPct val="100000"/>
+              </a:lnSpc>
+              <a:spcBef>
+                <a:spcPts val="0"/>
+              </a:spcBef>
+              <a:spcAft>
+                <a:spcPts val="0"/>
+              </a:spcAft>
+              <a:buClr>
+                <a:schemeClr val="dk1"/>
+              </a:buClr>
+              <a:buSzPts val="5200"/>
+              <a:buFont typeface="DM Serif Display"/>
+              <a:buNone/>
+              <a:defRPr sz="5200" b="0" i="0" u="none" strike="noStrike" cap="none">
+                <a:solidFill>
+                  <a:schemeClr val="dk1"/>
+                </a:solidFill>
+                <a:latin typeface="DM Serif Display"/>
+                <a:ea typeface="DM Serif Display"/>
+                <a:cs typeface="DM Serif Display"/>
+                <a:sym typeface="DM Serif Display"/>
+              </a:defRPr>
+            </a:lvl9pPr>
+          </a:lstStyle>
+          <a:p>
+            <a:r>
+              <a:rPr lang="en-IN" sz="3600" dirty="0" smtClean="0"/>
+              <a:t>Utilization of my work in project</a:t>
+            </a:r>
+            <a:endParaRPr lang="en-IN" sz="3600" dirty="0"/>
+          </a:p>
+        </p:txBody>
+      </p:sp>
+      <p:sp>
+        <p:nvSpPr>
+          <p:cNvPr id="11" name="Google Shape;630;p60"/>
+          <p:cNvSpPr txBox="1">
+            <a:spLocks/>
+          </p:cNvSpPr>
+          <p:nvPr/>
+        </p:nvSpPr>
+        <p:spPr>
+          <a:xfrm>
+            <a:off x="899592" y="1468671"/>
+            <a:ext cx="5760640" cy="3202741"/>
+          </a:xfrm>
+          <a:prstGeom prst="rect">
+            <a:avLst/>
+          </a:prstGeom>
+        </p:spPr>
+        <p:txBody>
+          <a:bodyPr spcFirstLastPara="1" wrap="square" lIns="91425" tIns="91425" rIns="91425" bIns="91425" anchor="t" anchorCtr="0">
+            <a:noAutofit/>
+          </a:bodyPr>
+          <a:lstStyle>
+            <a:defPPr marR="0" lvl="0" algn="l" rtl="0">
+              <a:lnSpc>
+                <a:spcPct val="100000"/>
+              </a:lnSpc>
+              <a:spcBef>
+                <a:spcPts val="0"/>
+              </a:spcBef>
+              <a:spcAft>
+                <a:spcPts val="0"/>
+              </a:spcAft>
+            </a:defPPr>
+            <a:lvl1pPr marR="0" lvl="0" algn="l" rtl="0">
+              <a:lnSpc>
+                <a:spcPct val="100000"/>
+              </a:lnSpc>
+              <a:spcBef>
+                <a:spcPts val="0"/>
+              </a:spcBef>
+              <a:spcAft>
+                <a:spcPts val="0"/>
+              </a:spcAft>
+              <a:buClr>
+                <a:srgbClr val="000000"/>
+              </a:buClr>
+              <a:buFont typeface="Arial"/>
+              <a:defRPr sz="1400" b="0" i="0" u="none" strike="noStrike" cap="none">
+                <a:solidFill>
+                  <a:srgbClr val="000000"/>
+                </a:solidFill>
+                <a:latin typeface="Arial"/>
+                <a:ea typeface="Arial"/>
+                <a:cs typeface="Arial"/>
+                <a:sym typeface="Arial"/>
+              </a:defRPr>
+            </a:lvl1pPr>
+            <a:lvl2pPr marR="0" lvl="1" algn="l" rtl="0">
+              <a:lnSpc>
+                <a:spcPct val="100000"/>
+              </a:lnSpc>
+              <a:spcBef>
+                <a:spcPts val="0"/>
+              </a:spcBef>
+              <a:spcAft>
+                <a:spcPts val="0"/>
+              </a:spcAft>
+              <a:buClr>
+                <a:srgbClr val="000000"/>
+              </a:buClr>
+              <a:buFont typeface="Arial"/>
+              <a:defRPr sz="1400" b="0" i="0" u="none" strike="noStrike" cap="none">
+                <a:solidFill>
+                  <a:srgbClr val="000000"/>
+                </a:solidFill>
+                <a:latin typeface="Arial"/>
+                <a:ea typeface="Arial"/>
+                <a:cs typeface="Arial"/>
+                <a:sym typeface="Arial"/>
+              </a:defRPr>
+            </a:lvl2pPr>
+            <a:lvl3pPr marR="0" lvl="2" algn="l" rtl="0">
+              <a:lnSpc>
+                <a:spcPct val="100000"/>
+              </a:lnSpc>
+              <a:spcBef>
+                <a:spcPts val="0"/>
+              </a:spcBef>
+              <a:spcAft>
+                <a:spcPts val="0"/>
+              </a:spcAft>
+              <a:buClr>
+                <a:srgbClr val="000000"/>
+              </a:buClr>
+              <a:buFont typeface="Arial"/>
+              <a:defRPr sz="1400" b="0" i="0" u="none" strike="noStrike" cap="none">
+                <a:solidFill>
+                  <a:srgbClr val="000000"/>
+                </a:solidFill>
+                <a:latin typeface="Arial"/>
+                <a:ea typeface="Arial"/>
+                <a:cs typeface="Arial"/>
+                <a:sym typeface="Arial"/>
+              </a:defRPr>
+            </a:lvl3pPr>
+            <a:lvl4pPr marR="0" lvl="3" algn="l" rtl="0">
+              <a:lnSpc>
+                <a:spcPct val="100000"/>
+              </a:lnSpc>
+              <a:spcBef>
+                <a:spcPts val="0"/>
+              </a:spcBef>
+              <a:spcAft>
+                <a:spcPts val="0"/>
+              </a:spcAft>
+              <a:buClr>
+                <a:srgbClr val="000000"/>
+              </a:buClr>
+              <a:buFont typeface="Arial"/>
+              <a:defRPr sz="1400" b="0" i="0" u="none" strike="noStrike" cap="none">
+                <a:solidFill>
+                  <a:srgbClr val="000000"/>
+                </a:solidFill>
+                <a:latin typeface="Arial"/>
+                <a:ea typeface="Arial"/>
+                <a:cs typeface="Arial"/>
+                <a:sym typeface="Arial"/>
+              </a:defRPr>
+            </a:lvl4pPr>
+            <a:lvl5pPr marR="0" lvl="4" algn="l" rtl="0">
+              <a:lnSpc>
+                <a:spcPct val="100000"/>
+              </a:lnSpc>
+              <a:spcBef>
+                <a:spcPts val="0"/>
+              </a:spcBef>
+              <a:spcAft>
+                <a:spcPts val="0"/>
+              </a:spcAft>
+              <a:buClr>
+                <a:srgbClr val="000000"/>
+              </a:buClr>
+              <a:buFont typeface="Arial"/>
+              <a:defRPr sz="1400" b="0" i="0" u="none" strike="noStrike" cap="none">
+                <a:solidFill>
+                  <a:srgbClr val="000000"/>
+                </a:solidFill>
+                <a:latin typeface="Arial"/>
+                <a:ea typeface="Arial"/>
+                <a:cs typeface="Arial"/>
+                <a:sym typeface="Arial"/>
+              </a:defRPr>
+            </a:lvl5pPr>
+            <a:lvl6pPr marR="0" lvl="5" algn="l" rtl="0">
+              <a:lnSpc>
+                <a:spcPct val="100000"/>
+              </a:lnSpc>
+              <a:spcBef>
+                <a:spcPts val="0"/>
+              </a:spcBef>
+              <a:spcAft>
+                <a:spcPts val="0"/>
+              </a:spcAft>
+              <a:buClr>
+                <a:srgbClr val="000000"/>
+              </a:buClr>
+              <a:buFont typeface="Arial"/>
+              <a:defRPr sz="1400" b="0" i="0" u="none" strike="noStrike" cap="none">
+                <a:solidFill>
+                  <a:srgbClr val="000000"/>
+                </a:solidFill>
+                <a:latin typeface="Arial"/>
+                <a:ea typeface="Arial"/>
+                <a:cs typeface="Arial"/>
+                <a:sym typeface="Arial"/>
+              </a:defRPr>
+            </a:lvl6pPr>
+            <a:lvl7pPr marR="0" lvl="6" algn="l" rtl="0">
+              <a:lnSpc>
+                <a:spcPct val="100000"/>
+              </a:lnSpc>
+              <a:spcBef>
+                <a:spcPts val="0"/>
+              </a:spcBef>
+              <a:spcAft>
+                <a:spcPts val="0"/>
+              </a:spcAft>
+              <a:buClr>
+                <a:srgbClr val="000000"/>
+              </a:buClr>
+              <a:buFont typeface="Arial"/>
+              <a:defRPr sz="1400" b="0" i="0" u="none" strike="noStrike" cap="none">
+                <a:solidFill>
+                  <a:srgbClr val="000000"/>
+                </a:solidFill>
+                <a:latin typeface="Arial"/>
+                <a:ea typeface="Arial"/>
+                <a:cs typeface="Arial"/>
+                <a:sym typeface="Arial"/>
+              </a:defRPr>
+            </a:lvl7pPr>
+            <a:lvl8pPr marR="0" lvl="7" algn="l" rtl="0">
+              <a:lnSpc>
+                <a:spcPct val="100000"/>
+              </a:lnSpc>
+              <a:spcBef>
+                <a:spcPts val="0"/>
+              </a:spcBef>
+              <a:spcAft>
+                <a:spcPts val="0"/>
+              </a:spcAft>
+              <a:buClr>
+                <a:srgbClr val="000000"/>
+              </a:buClr>
+              <a:buFont typeface="Arial"/>
+              <a:defRPr sz="1400" b="0" i="0" u="none" strike="noStrike" cap="none">
+                <a:solidFill>
+                  <a:srgbClr val="000000"/>
+                </a:solidFill>
+                <a:latin typeface="Arial"/>
+                <a:ea typeface="Arial"/>
+                <a:cs typeface="Arial"/>
+                <a:sym typeface="Arial"/>
+              </a:defRPr>
+            </a:lvl8pPr>
+            <a:lvl9pPr marR="0" lvl="8" algn="l" rtl="0">
+              <a:lnSpc>
+                <a:spcPct val="100000"/>
+              </a:lnSpc>
+              <a:spcBef>
+                <a:spcPts val="0"/>
+              </a:spcBef>
+              <a:spcAft>
+                <a:spcPts val="0"/>
+              </a:spcAft>
+              <a:buClr>
+                <a:srgbClr val="000000"/>
+              </a:buClr>
+              <a:buFont typeface="Arial"/>
+              <a:defRPr sz="1400" b="0" i="0" u="none" strike="noStrike" cap="none">
+                <a:solidFill>
+                  <a:srgbClr val="000000"/>
+                </a:solidFill>
+                <a:latin typeface="Arial"/>
+                <a:ea typeface="Arial"/>
+                <a:cs typeface="Arial"/>
+                <a:sym typeface="Arial"/>
+              </a:defRPr>
+            </a:lvl9pPr>
+          </a:lstStyle>
+          <a:p>
+            <a:pPr marL="285750" indent="-285750">
+              <a:buClr>
+                <a:schemeClr val="tx1"/>
+              </a:buClr>
+              <a:buSzPct val="125000"/>
+              <a:buFont typeface="Arial" pitchFamily="34" charset="0"/>
+              <a:buChar char="•"/>
+            </a:pPr>
+            <a:r>
+              <a:rPr lang="en-IN" sz="1800" dirty="0" smtClean="0">
+                <a:solidFill>
+                  <a:schemeClr val="tx1"/>
+                </a:solidFill>
+                <a:latin typeface="Times New Roman" pitchFamily="18" charset="0"/>
+              </a:rPr>
+              <a:t>As I wrote the code for data insertion and data querying the code helped the project in identifying</a:t>
+            </a:r>
+          </a:p>
+          <a:p>
+            <a:pPr lvl="4">
+              <a:buClr>
+                <a:schemeClr val="tx1"/>
+              </a:buClr>
+              <a:buSzPct val="125000"/>
+            </a:pPr>
+            <a:r>
+              <a:rPr lang="en-IN" sz="1800" dirty="0">
+                <a:solidFill>
+                  <a:schemeClr val="tx1"/>
+                </a:solidFill>
+                <a:latin typeface="Times New Roman" pitchFamily="18" charset="0"/>
+              </a:rPr>
+              <a:t>	</a:t>
+            </a:r>
+            <a:r>
+              <a:rPr lang="en-IN" sz="1800" dirty="0" smtClean="0">
+                <a:solidFill>
+                  <a:schemeClr val="tx1"/>
+                </a:solidFill>
+                <a:latin typeface="Times New Roman" pitchFamily="18" charset="0"/>
+              </a:rPr>
+              <a:t>- agencies with no error ids </a:t>
+            </a:r>
+          </a:p>
+          <a:p>
+            <a:pPr lvl="4">
+              <a:buClr>
+                <a:schemeClr val="tx1"/>
+              </a:buClr>
+              <a:buSzPct val="125000"/>
+            </a:pPr>
+            <a:r>
+              <a:rPr lang="en-IN" sz="1800" dirty="0">
+                <a:solidFill>
+                  <a:schemeClr val="tx1"/>
+                </a:solidFill>
+                <a:latin typeface="Times New Roman" pitchFamily="18" charset="0"/>
+              </a:rPr>
+              <a:t>	</a:t>
+            </a:r>
+            <a:r>
+              <a:rPr lang="en-IN" sz="1800" dirty="0" smtClean="0">
+                <a:solidFill>
+                  <a:schemeClr val="tx1"/>
+                </a:solidFill>
+                <a:latin typeface="Times New Roman" pitchFamily="18" charset="0"/>
+              </a:rPr>
+              <a:t>- forms with no error ids and</a:t>
+            </a:r>
+          </a:p>
+          <a:p>
+            <a:pPr lvl="4">
+              <a:buClr>
+                <a:schemeClr val="tx1"/>
+              </a:buClr>
+              <a:buSzPct val="125000"/>
+            </a:pPr>
+            <a:r>
+              <a:rPr lang="en-IN" sz="1800" dirty="0">
+                <a:solidFill>
+                  <a:schemeClr val="tx1"/>
+                </a:solidFill>
+                <a:latin typeface="Times New Roman" pitchFamily="18" charset="0"/>
+              </a:rPr>
+              <a:t>	</a:t>
+            </a:r>
+            <a:r>
+              <a:rPr lang="en-IN" sz="1800" dirty="0" smtClean="0">
+                <a:solidFill>
+                  <a:schemeClr val="tx1"/>
+                </a:solidFill>
+                <a:latin typeface="Times New Roman" pitchFamily="18" charset="0"/>
+              </a:rPr>
+              <a:t>- ids with errors</a:t>
+            </a:r>
+          </a:p>
+          <a:p>
+            <a:pPr marL="285750" lvl="4" indent="-285750">
+              <a:buClr>
+                <a:schemeClr val="tx1"/>
+              </a:buClr>
+              <a:buSzPct val="125000"/>
+              <a:buFont typeface="Arial" pitchFamily="34" charset="0"/>
+              <a:buChar char="•"/>
+            </a:pPr>
+            <a:r>
+              <a:rPr lang="en-IN" sz="1800" dirty="0" smtClean="0">
+                <a:solidFill>
+                  <a:schemeClr val="tx1"/>
+                </a:solidFill>
+                <a:latin typeface="Times New Roman" pitchFamily="18" charset="0"/>
+              </a:rPr>
+              <a:t>Code was implemented using AWS opensearch.</a:t>
+            </a:r>
+            <a:endParaRPr lang="en-IN" sz="1800" dirty="0">
+              <a:solidFill>
+                <a:schemeClr val="tx1"/>
+              </a:solidFill>
+              <a:latin typeface="Times New Roman" pitchFamily="18" charset="0"/>
+            </a:endParaRPr>
+          </a:p>
+          <a:p>
+            <a:pPr marL="285750" lvl="4" indent="-285750">
+              <a:buClr>
+                <a:schemeClr val="tx1"/>
+              </a:buClr>
+              <a:buSzPct val="125000"/>
+              <a:buFont typeface="Arial" pitchFamily="34" charset="0"/>
+              <a:buChar char="•"/>
+            </a:pPr>
+            <a:r>
+              <a:rPr lang="en-IN" sz="1800" dirty="0" smtClean="0">
+                <a:solidFill>
+                  <a:schemeClr val="tx1"/>
+                </a:solidFill>
+                <a:latin typeface="Times New Roman" pitchFamily="18" charset="0"/>
+              </a:rPr>
+              <a:t>Python b</a:t>
+            </a:r>
+            <a:r>
+              <a:rPr lang="en-IN" sz="1800" dirty="0" smtClean="0">
+                <a:solidFill>
+                  <a:schemeClr val="tx1"/>
+                </a:solidFill>
+                <a:latin typeface="Times New Roman" pitchFamily="18" charset="0"/>
+              </a:rPr>
+              <a:t>oto3 module is used in connecting with the opensearch dashboard</a:t>
+            </a:r>
+            <a:r>
+              <a:rPr lang="en-IN" sz="1800" dirty="0">
+                <a:solidFill>
+                  <a:schemeClr val="tx1"/>
+                </a:solidFill>
+                <a:latin typeface="Times New Roman" pitchFamily="18" charset="0"/>
+              </a:rPr>
+              <a:t>.</a:t>
+            </a:r>
+            <a:endParaRPr lang="en-IN" sz="1800" dirty="0" smtClean="0">
+              <a:solidFill>
+                <a:schemeClr val="tx1"/>
+              </a:solidFill>
+              <a:latin typeface="Times New Roman" pitchFamily="18" charset="0"/>
+            </a:endParaRPr>
+          </a:p>
+        </p:txBody>
+      </p:sp>
+      <p:sp>
+        <p:nvSpPr>
+          <p:cNvPr id="12" name="Google Shape;645;p60"/>
+          <p:cNvSpPr/>
+          <p:nvPr/>
+        </p:nvSpPr>
+        <p:spPr>
+          <a:xfrm rot="5400000">
+            <a:off x="1796284" y="191697"/>
+            <a:ext cx="43200" cy="1980600"/>
+          </a:xfrm>
+          <a:prstGeom prst="rect">
+            <a:avLst/>
+          </a:prstGeom>
+          <a:solidFill>
+            <a:schemeClr val="lt2"/>
+          </a:solidFill>
+          <a:ln>
+            <a:noFill/>
+          </a:ln>
+        </p:spPr>
+        <p:txBody>
+          <a:bodyPr spcFirstLastPara="1" wrap="square" lIns="91425" tIns="91425" rIns="91425" bIns="91425" anchor="ctr" anchorCtr="0">
+            <a:noAutofit/>
+          </a:bodyPr>
+          <a:lstStyle/>
+          <a:p>
+            <a:pPr marL="0" lvl="0" indent="0" algn="l" rtl="0">
+              <a:spcBef>
+                <a:spcPts val="0"/>
+              </a:spcBef>
+              <a:spcAft>
+                <a:spcPts val="0"/>
+              </a:spcAft>
+              <a:buNone/>
+            </a:pPr>
+            <a:endParaRPr/>
+          </a:p>
+        </p:txBody>
+      </p:sp>
+    </p:spTree>
+    <p:extLst>
+      <p:ext uri="{BB962C8B-B14F-4D97-AF65-F5344CB8AC3E}">
+        <p14:creationId xmlns:p14="http://schemas.microsoft.com/office/powerpoint/2010/main" val="2548866093"/>
+      </p:ext>
+    </p:extLst>
+  </p:cSld>
+  <p:clrMapOvr>
+    <a:masterClrMapping/>
+  </p:clrMapOvr>
+</p:sld>
+</file>
+
+<file path=ppt/slides/slide12.xml><?xml version="1.0" encoding="utf-8"?>
+<p:sld xmlns:a="http://schemas.openxmlformats.org/drawingml/2006/main" xmlns:r="http://schemas.openxmlformats.org/officeDocument/2006/relationships" xmlns:p="http://schemas.openxmlformats.org/presentationml/2006/main">
+  <p:cSld>
+    <p:spTree>
+      <p:nvGrpSpPr>
+        <p:cNvPr id="1" name=""/>
+        <p:cNvGrpSpPr/>
+        <p:nvPr/>
+      </p:nvGrpSpPr>
+      <p:grpSpPr>
+        <a:xfrm>
+          <a:off x="0" y="0"/>
+          <a:ext cx="0" cy="0"/>
+          <a:chOff x="0" y="0"/>
+          <a:chExt cx="0" cy="0"/>
+        </a:xfrm>
+      </p:grpSpPr>
+      <p:sp>
+        <p:nvSpPr>
           <p:cNvPr id="8" name="Title 7"/>
           <p:cNvSpPr>
             <a:spLocks noGrp="1"/>
@@ -16602,272 +17372,6 @@
               <a:t>Work on python pandas</a:t>
             </a:r>
             <a:endParaRPr lang="en-IN" dirty="0"/>
-          </a:p>
-        </p:txBody>
-      </p:sp>
-      <p:sp>
-        <p:nvSpPr>
-          <p:cNvPr id="9" name="Google Shape;630;p60"/>
-          <p:cNvSpPr txBox="1">
-            <a:spLocks/>
-          </p:cNvSpPr>
-          <p:nvPr/>
-        </p:nvSpPr>
-        <p:spPr>
-          <a:xfrm>
-            <a:off x="968332" y="1275606"/>
-            <a:ext cx="5331860" cy="3384376"/>
-          </a:xfrm>
-          <a:prstGeom prst="rect">
-            <a:avLst/>
-          </a:prstGeom>
-        </p:spPr>
-        <p:txBody>
-          <a:bodyPr spcFirstLastPara="1" wrap="square" lIns="91425" tIns="91425" rIns="91425" bIns="91425" anchor="t" anchorCtr="0">
-            <a:noAutofit/>
-          </a:bodyPr>
-          <a:lstStyle>
-            <a:defPPr marR="0" lvl="0" algn="l" rtl="0">
-              <a:lnSpc>
-                <a:spcPct val="100000"/>
-              </a:lnSpc>
-              <a:spcBef>
-                <a:spcPts val="0"/>
-              </a:spcBef>
-              <a:spcAft>
-                <a:spcPts val="0"/>
-              </a:spcAft>
-            </a:defPPr>
-            <a:lvl1pPr marR="0" lvl="0" algn="l" rtl="0">
-              <a:lnSpc>
-                <a:spcPct val="100000"/>
-              </a:lnSpc>
-              <a:spcBef>
-                <a:spcPts val="0"/>
-              </a:spcBef>
-              <a:spcAft>
-                <a:spcPts val="0"/>
-              </a:spcAft>
-              <a:buClr>
-                <a:srgbClr val="000000"/>
-              </a:buClr>
-              <a:buFont typeface="Arial"/>
-              <a:defRPr sz="1400" b="0" i="0" u="none" strike="noStrike" cap="none">
-                <a:solidFill>
-                  <a:srgbClr val="000000"/>
-                </a:solidFill>
-                <a:latin typeface="Arial"/>
-                <a:ea typeface="Arial"/>
-                <a:cs typeface="Arial"/>
-                <a:sym typeface="Arial"/>
-              </a:defRPr>
-            </a:lvl1pPr>
-            <a:lvl2pPr marR="0" lvl="1" algn="l" rtl="0">
-              <a:lnSpc>
-                <a:spcPct val="100000"/>
-              </a:lnSpc>
-              <a:spcBef>
-                <a:spcPts val="0"/>
-              </a:spcBef>
-              <a:spcAft>
-                <a:spcPts val="0"/>
-              </a:spcAft>
-              <a:buClr>
-                <a:srgbClr val="000000"/>
-              </a:buClr>
-              <a:buFont typeface="Arial"/>
-              <a:defRPr sz="1400" b="0" i="0" u="none" strike="noStrike" cap="none">
-                <a:solidFill>
-                  <a:srgbClr val="000000"/>
-                </a:solidFill>
-                <a:latin typeface="Arial"/>
-                <a:ea typeface="Arial"/>
-                <a:cs typeface="Arial"/>
-                <a:sym typeface="Arial"/>
-              </a:defRPr>
-            </a:lvl2pPr>
-            <a:lvl3pPr marR="0" lvl="2" algn="l" rtl="0">
-              <a:lnSpc>
-                <a:spcPct val="100000"/>
-              </a:lnSpc>
-              <a:spcBef>
-                <a:spcPts val="0"/>
-              </a:spcBef>
-              <a:spcAft>
-                <a:spcPts val="0"/>
-              </a:spcAft>
-              <a:buClr>
-                <a:srgbClr val="000000"/>
-              </a:buClr>
-              <a:buFont typeface="Arial"/>
-              <a:defRPr sz="1400" b="0" i="0" u="none" strike="noStrike" cap="none">
-                <a:solidFill>
-                  <a:srgbClr val="000000"/>
-                </a:solidFill>
-                <a:latin typeface="Arial"/>
-                <a:ea typeface="Arial"/>
-                <a:cs typeface="Arial"/>
-                <a:sym typeface="Arial"/>
-              </a:defRPr>
-            </a:lvl3pPr>
-            <a:lvl4pPr marR="0" lvl="3" algn="l" rtl="0">
-              <a:lnSpc>
-                <a:spcPct val="100000"/>
-              </a:lnSpc>
-              <a:spcBef>
-                <a:spcPts val="0"/>
-              </a:spcBef>
-              <a:spcAft>
-                <a:spcPts val="0"/>
-              </a:spcAft>
-              <a:buClr>
-                <a:srgbClr val="000000"/>
-              </a:buClr>
-              <a:buFont typeface="Arial"/>
-              <a:defRPr sz="1400" b="0" i="0" u="none" strike="noStrike" cap="none">
-                <a:solidFill>
-                  <a:srgbClr val="000000"/>
-                </a:solidFill>
-                <a:latin typeface="Arial"/>
-                <a:ea typeface="Arial"/>
-                <a:cs typeface="Arial"/>
-                <a:sym typeface="Arial"/>
-              </a:defRPr>
-            </a:lvl4pPr>
-            <a:lvl5pPr marR="0" lvl="4" algn="l" rtl="0">
-              <a:lnSpc>
-                <a:spcPct val="100000"/>
-              </a:lnSpc>
-              <a:spcBef>
-                <a:spcPts val="0"/>
-              </a:spcBef>
-              <a:spcAft>
-                <a:spcPts val="0"/>
-              </a:spcAft>
-              <a:buClr>
-                <a:srgbClr val="000000"/>
-              </a:buClr>
-              <a:buFont typeface="Arial"/>
-              <a:defRPr sz="1400" b="0" i="0" u="none" strike="noStrike" cap="none">
-                <a:solidFill>
-                  <a:srgbClr val="000000"/>
-                </a:solidFill>
-                <a:latin typeface="Arial"/>
-                <a:ea typeface="Arial"/>
-                <a:cs typeface="Arial"/>
-                <a:sym typeface="Arial"/>
-              </a:defRPr>
-            </a:lvl5pPr>
-            <a:lvl6pPr marR="0" lvl="5" algn="l" rtl="0">
-              <a:lnSpc>
-                <a:spcPct val="100000"/>
-              </a:lnSpc>
-              <a:spcBef>
-                <a:spcPts val="0"/>
-              </a:spcBef>
-              <a:spcAft>
-                <a:spcPts val="0"/>
-              </a:spcAft>
-              <a:buClr>
-                <a:srgbClr val="000000"/>
-              </a:buClr>
-              <a:buFont typeface="Arial"/>
-              <a:defRPr sz="1400" b="0" i="0" u="none" strike="noStrike" cap="none">
-                <a:solidFill>
-                  <a:srgbClr val="000000"/>
-                </a:solidFill>
-                <a:latin typeface="Arial"/>
-                <a:ea typeface="Arial"/>
-                <a:cs typeface="Arial"/>
-                <a:sym typeface="Arial"/>
-              </a:defRPr>
-            </a:lvl6pPr>
-            <a:lvl7pPr marR="0" lvl="6" algn="l" rtl="0">
-              <a:lnSpc>
-                <a:spcPct val="100000"/>
-              </a:lnSpc>
-              <a:spcBef>
-                <a:spcPts val="0"/>
-              </a:spcBef>
-              <a:spcAft>
-                <a:spcPts val="0"/>
-              </a:spcAft>
-              <a:buClr>
-                <a:srgbClr val="000000"/>
-              </a:buClr>
-              <a:buFont typeface="Arial"/>
-              <a:defRPr sz="1400" b="0" i="0" u="none" strike="noStrike" cap="none">
-                <a:solidFill>
-                  <a:srgbClr val="000000"/>
-                </a:solidFill>
-                <a:latin typeface="Arial"/>
-                <a:ea typeface="Arial"/>
-                <a:cs typeface="Arial"/>
-                <a:sym typeface="Arial"/>
-              </a:defRPr>
-            </a:lvl7pPr>
-            <a:lvl8pPr marR="0" lvl="7" algn="l" rtl="0">
-              <a:lnSpc>
-                <a:spcPct val="100000"/>
-              </a:lnSpc>
-              <a:spcBef>
-                <a:spcPts val="0"/>
-              </a:spcBef>
-              <a:spcAft>
-                <a:spcPts val="0"/>
-              </a:spcAft>
-              <a:buClr>
-                <a:srgbClr val="000000"/>
-              </a:buClr>
-              <a:buFont typeface="Arial"/>
-              <a:defRPr sz="1400" b="0" i="0" u="none" strike="noStrike" cap="none">
-                <a:solidFill>
-                  <a:srgbClr val="000000"/>
-                </a:solidFill>
-                <a:latin typeface="Arial"/>
-                <a:ea typeface="Arial"/>
-                <a:cs typeface="Arial"/>
-                <a:sym typeface="Arial"/>
-              </a:defRPr>
-            </a:lvl8pPr>
-            <a:lvl9pPr marR="0" lvl="8" algn="l" rtl="0">
-              <a:lnSpc>
-                <a:spcPct val="100000"/>
-              </a:lnSpc>
-              <a:spcBef>
-                <a:spcPts val="0"/>
-              </a:spcBef>
-              <a:spcAft>
-                <a:spcPts val="0"/>
-              </a:spcAft>
-              <a:buClr>
-                <a:srgbClr val="000000"/>
-              </a:buClr>
-              <a:buFont typeface="Arial"/>
-              <a:defRPr sz="1400" b="0" i="0" u="none" strike="noStrike" cap="none">
-                <a:solidFill>
-                  <a:srgbClr val="000000"/>
-                </a:solidFill>
-                <a:latin typeface="Arial"/>
-                <a:ea typeface="Arial"/>
-                <a:cs typeface="Arial"/>
-                <a:sym typeface="Arial"/>
-              </a:defRPr>
-            </a:lvl9pPr>
-          </a:lstStyle>
-          <a:p>
-            <a:pPr>
-              <a:buClr>
-                <a:schemeClr val="tx1"/>
-              </a:buClr>
-              <a:buSzPct val="125000"/>
-            </a:pPr>
-            <a:endParaRPr lang="en-IN" sz="1800" dirty="0" smtClean="0">
-              <a:solidFill>
-                <a:schemeClr val="tx1"/>
-              </a:solidFill>
-              <a:latin typeface="Times New Roman" pitchFamily="18" charset="0"/>
-            </a:endParaRPr>
           </a:p>
         </p:txBody>
       </p:sp>
@@ -17259,7 +17763,7 @@
 </p:sld>
 </file>
 
-<file path=ppt/slides/slide12.xml><?xml version="1.0" encoding="utf-8"?>
+<file path=ppt/slides/slide13.xml><?xml version="1.0" encoding="utf-8"?>
 <p:sld xmlns:a="http://schemas.openxmlformats.org/drawingml/2006/main" xmlns:r="http://schemas.openxmlformats.org/officeDocument/2006/relationships" xmlns:p="http://schemas.openxmlformats.org/presentationml/2006/main">
   <p:cSld>
     <p:spTree>
@@ -18311,7 +18815,7 @@
 </p:sld>
 </file>
 
-<file path=ppt/slides/slide13.xml><?xml version="1.0" encoding="utf-8"?>
+<file path=ppt/slides/slide14.xml><?xml version="1.0" encoding="utf-8"?>
 <p:sld xmlns:a="http://schemas.openxmlformats.org/drawingml/2006/main" xmlns:r="http://schemas.openxmlformats.org/officeDocument/2006/relationships" xmlns:p="http://schemas.openxmlformats.org/presentationml/2006/main">
   <p:cSld>
     <p:spTree>
@@ -18330,314 +18834,131 @@
       </p:grpSpPr>
       <p:sp>
         <p:nvSpPr>
-          <p:cNvPr id="3" name="Google Shape;1072;p97"/>
-          <p:cNvSpPr txBox="1">
-            <a:spLocks/>
+          <p:cNvPr id="15" name="Title 14"/>
+          <p:cNvSpPr>
+            <a:spLocks noGrp="1"/>
           </p:cNvSpPr>
-          <p:nvPr/>
+          <p:nvPr>
+            <p:ph type="title"/>
+          </p:nvPr>
         </p:nvSpPr>
         <p:spPr>
           <a:xfrm>
-            <a:off x="4241492" y="915566"/>
-            <a:ext cx="3858900" cy="996000"/>
+            <a:off x="3419872" y="303498"/>
+            <a:ext cx="4427984" cy="1512168"/>
+          </a:xfrm>
+        </p:spPr>
+        <p:txBody>
+          <a:bodyPr/>
+          <a:lstStyle/>
+          <a:p>
+            <a:r>
+              <a:rPr lang="en-IN" sz="4500" b="1" dirty="0" smtClean="0"/>
+              <a:t>Any Queries ?</a:t>
+            </a:r>
+            <a:endParaRPr lang="en-IN" sz="4500" b="1" dirty="0"/>
+          </a:p>
+        </p:txBody>
+      </p:sp>
+      <p:pic>
+        <p:nvPicPr>
+          <p:cNvPr id="18" name="Picture 17"/>
+          <p:cNvPicPr>
+            <a:picLocks noChangeAspect="1"/>
+          </p:cNvPicPr>
+          <p:nvPr/>
+        </p:nvPicPr>
+        <p:blipFill>
+          <a:blip r:embed="rId2">
+            <a:extLst>
+              <a:ext uri="{28A0092B-C50C-407E-A947-70E740481C1C}">
+                <a14:useLocalDpi xmlns:a14="http://schemas.microsoft.com/office/drawing/2010/main" val="0"/>
+              </a:ext>
+            </a:extLst>
+          </a:blip>
+          <a:stretch>
+            <a:fillRect/>
+          </a:stretch>
+        </p:blipFill>
+        <p:spPr>
+          <a:xfrm>
+            <a:off x="5076056" y="1707654"/>
+            <a:ext cx="3240360" cy="3240360"/>
           </a:xfrm>
           <a:prstGeom prst="rect">
             <a:avLst/>
           </a:prstGeom>
         </p:spPr>
-        <p:txBody>
-          <a:bodyPr spcFirstLastPara="1" wrap="square" lIns="91425" tIns="91425" rIns="91425" bIns="91425" anchor="ctr" anchorCtr="0">
-            <a:noAutofit/>
-          </a:bodyPr>
-          <a:lstStyle>
-            <a:defPPr marR="0" lvl="0" algn="l" rtl="0">
-              <a:lnSpc>
-                <a:spcPct val="100000"/>
-              </a:lnSpc>
-              <a:spcBef>
-                <a:spcPts val="0"/>
-              </a:spcBef>
-              <a:spcAft>
-                <a:spcPts val="0"/>
-              </a:spcAft>
-            </a:defPPr>
-            <a:lvl1pPr marR="0" lvl="0" algn="l" rtl="0">
-              <a:lnSpc>
-                <a:spcPct val="100000"/>
-              </a:lnSpc>
-              <a:spcBef>
-                <a:spcPts val="0"/>
-              </a:spcBef>
-              <a:spcAft>
-                <a:spcPts val="0"/>
-              </a:spcAft>
-              <a:buClr>
-                <a:srgbClr val="000000"/>
-              </a:buClr>
-              <a:buFont typeface="Arial"/>
-              <a:defRPr sz="1400" b="0" i="0" u="none" strike="noStrike" cap="none">
-                <a:solidFill>
-                  <a:srgbClr val="000000"/>
-                </a:solidFill>
-                <a:latin typeface="Arial"/>
-                <a:ea typeface="Arial"/>
-                <a:cs typeface="Arial"/>
-                <a:sym typeface="Arial"/>
-              </a:defRPr>
-            </a:lvl1pPr>
-            <a:lvl2pPr marR="0" lvl="1" algn="l" rtl="0">
-              <a:lnSpc>
-                <a:spcPct val="100000"/>
-              </a:lnSpc>
-              <a:spcBef>
-                <a:spcPts val="0"/>
-              </a:spcBef>
-              <a:spcAft>
-                <a:spcPts val="0"/>
-              </a:spcAft>
-              <a:buClr>
-                <a:srgbClr val="000000"/>
-              </a:buClr>
-              <a:buFont typeface="Arial"/>
-              <a:defRPr sz="1400" b="0" i="0" u="none" strike="noStrike" cap="none">
-                <a:solidFill>
-                  <a:srgbClr val="000000"/>
-                </a:solidFill>
-                <a:latin typeface="Arial"/>
-                <a:ea typeface="Arial"/>
-                <a:cs typeface="Arial"/>
-                <a:sym typeface="Arial"/>
-              </a:defRPr>
-            </a:lvl2pPr>
-            <a:lvl3pPr marR="0" lvl="2" algn="l" rtl="0">
-              <a:lnSpc>
-                <a:spcPct val="100000"/>
-              </a:lnSpc>
-              <a:spcBef>
-                <a:spcPts val="0"/>
-              </a:spcBef>
-              <a:spcAft>
-                <a:spcPts val="0"/>
-              </a:spcAft>
-              <a:buClr>
-                <a:srgbClr val="000000"/>
-              </a:buClr>
-              <a:buFont typeface="Arial"/>
-              <a:defRPr sz="1400" b="0" i="0" u="none" strike="noStrike" cap="none">
-                <a:solidFill>
-                  <a:srgbClr val="000000"/>
-                </a:solidFill>
-                <a:latin typeface="Arial"/>
-                <a:ea typeface="Arial"/>
-                <a:cs typeface="Arial"/>
-                <a:sym typeface="Arial"/>
-              </a:defRPr>
-            </a:lvl3pPr>
-            <a:lvl4pPr marR="0" lvl="3" algn="l" rtl="0">
-              <a:lnSpc>
-                <a:spcPct val="100000"/>
-              </a:lnSpc>
-              <a:spcBef>
-                <a:spcPts val="0"/>
-              </a:spcBef>
-              <a:spcAft>
-                <a:spcPts val="0"/>
-              </a:spcAft>
-              <a:buClr>
-                <a:srgbClr val="000000"/>
-              </a:buClr>
-              <a:buFont typeface="Arial"/>
-              <a:defRPr sz="1400" b="0" i="0" u="none" strike="noStrike" cap="none">
-                <a:solidFill>
-                  <a:srgbClr val="000000"/>
-                </a:solidFill>
-                <a:latin typeface="Arial"/>
-                <a:ea typeface="Arial"/>
-                <a:cs typeface="Arial"/>
-                <a:sym typeface="Arial"/>
-              </a:defRPr>
-            </a:lvl4pPr>
-            <a:lvl5pPr marR="0" lvl="4" algn="l" rtl="0">
-              <a:lnSpc>
-                <a:spcPct val="100000"/>
-              </a:lnSpc>
-              <a:spcBef>
-                <a:spcPts val="0"/>
-              </a:spcBef>
-              <a:spcAft>
-                <a:spcPts val="0"/>
-              </a:spcAft>
-              <a:buClr>
-                <a:srgbClr val="000000"/>
-              </a:buClr>
-              <a:buFont typeface="Arial"/>
-              <a:defRPr sz="1400" b="0" i="0" u="none" strike="noStrike" cap="none">
-                <a:solidFill>
-                  <a:srgbClr val="000000"/>
-                </a:solidFill>
-                <a:latin typeface="Arial"/>
-                <a:ea typeface="Arial"/>
-                <a:cs typeface="Arial"/>
-                <a:sym typeface="Arial"/>
-              </a:defRPr>
-            </a:lvl5pPr>
-            <a:lvl6pPr marR="0" lvl="5" algn="l" rtl="0">
-              <a:lnSpc>
-                <a:spcPct val="100000"/>
-              </a:lnSpc>
-              <a:spcBef>
-                <a:spcPts val="0"/>
-              </a:spcBef>
-              <a:spcAft>
-                <a:spcPts val="0"/>
-              </a:spcAft>
-              <a:buClr>
-                <a:srgbClr val="000000"/>
-              </a:buClr>
-              <a:buFont typeface="Arial"/>
-              <a:defRPr sz="1400" b="0" i="0" u="none" strike="noStrike" cap="none">
-                <a:solidFill>
-                  <a:srgbClr val="000000"/>
-                </a:solidFill>
-                <a:latin typeface="Arial"/>
-                <a:ea typeface="Arial"/>
-                <a:cs typeface="Arial"/>
-                <a:sym typeface="Arial"/>
-              </a:defRPr>
-            </a:lvl6pPr>
-            <a:lvl7pPr marR="0" lvl="6" algn="l" rtl="0">
-              <a:lnSpc>
-                <a:spcPct val="100000"/>
-              </a:lnSpc>
-              <a:spcBef>
-                <a:spcPts val="0"/>
-              </a:spcBef>
-              <a:spcAft>
-                <a:spcPts val="0"/>
-              </a:spcAft>
-              <a:buClr>
-                <a:srgbClr val="000000"/>
-              </a:buClr>
-              <a:buFont typeface="Arial"/>
-              <a:defRPr sz="1400" b="0" i="0" u="none" strike="noStrike" cap="none">
-                <a:solidFill>
-                  <a:srgbClr val="000000"/>
-                </a:solidFill>
-                <a:latin typeface="Arial"/>
-                <a:ea typeface="Arial"/>
-                <a:cs typeface="Arial"/>
-                <a:sym typeface="Arial"/>
-              </a:defRPr>
-            </a:lvl7pPr>
-            <a:lvl8pPr marR="0" lvl="7" algn="l" rtl="0">
-              <a:lnSpc>
-                <a:spcPct val="100000"/>
-              </a:lnSpc>
-              <a:spcBef>
-                <a:spcPts val="0"/>
-              </a:spcBef>
-              <a:spcAft>
-                <a:spcPts val="0"/>
-              </a:spcAft>
-              <a:buClr>
-                <a:srgbClr val="000000"/>
-              </a:buClr>
-              <a:buFont typeface="Arial"/>
-              <a:defRPr sz="1400" b="0" i="0" u="none" strike="noStrike" cap="none">
-                <a:solidFill>
-                  <a:srgbClr val="000000"/>
-                </a:solidFill>
-                <a:latin typeface="Arial"/>
-                <a:ea typeface="Arial"/>
-                <a:cs typeface="Arial"/>
-                <a:sym typeface="Arial"/>
-              </a:defRPr>
-            </a:lvl8pPr>
-            <a:lvl9pPr marR="0" lvl="8" algn="l" rtl="0">
-              <a:lnSpc>
-                <a:spcPct val="100000"/>
-              </a:lnSpc>
-              <a:spcBef>
-                <a:spcPts val="0"/>
-              </a:spcBef>
-              <a:spcAft>
-                <a:spcPts val="0"/>
-              </a:spcAft>
-              <a:buClr>
-                <a:srgbClr val="000000"/>
-              </a:buClr>
-              <a:buFont typeface="Arial"/>
-              <a:defRPr sz="1400" b="0" i="0" u="none" strike="noStrike" cap="none">
-                <a:solidFill>
-                  <a:srgbClr val="000000"/>
-                </a:solidFill>
-                <a:latin typeface="Arial"/>
-                <a:ea typeface="Arial"/>
-                <a:cs typeface="Arial"/>
-                <a:sym typeface="Arial"/>
-              </a:defRPr>
-            </a:lvl9pPr>
-          </a:lstStyle>
-          <a:p>
-            <a:pPr algn="ctr"/>
-            <a:r>
-              <a:rPr lang="en" sz="7200" dirty="0" smtClean="0">
-                <a:solidFill>
-                  <a:schemeClr val="tx1"/>
-                </a:solidFill>
-                <a:latin typeface="DM Serif Display" charset="0"/>
-              </a:rPr>
-              <a:t>Thanks</a:t>
-            </a:r>
-            <a:endParaRPr lang="en-IN" sz="7000" dirty="0">
-              <a:solidFill>
-                <a:schemeClr val="tx1"/>
-              </a:solidFill>
-              <a:latin typeface="DM Serif Display" charset="0"/>
-            </a:endParaRPr>
-          </a:p>
-        </p:txBody>
-      </p:sp>
-      <p:sp>
-        <p:nvSpPr>
-          <p:cNvPr id="4" name="Google Shape;1089;p97"/>
-          <p:cNvSpPr/>
+      </p:pic>
+    </p:spTree>
+    <p:extLst>
+      <p:ext uri="{BB962C8B-B14F-4D97-AF65-F5344CB8AC3E}">
+        <p14:creationId xmlns:p14="http://schemas.microsoft.com/office/powerpoint/2010/main" val="3705618571"/>
+      </p:ext>
+    </p:extLst>
+  </p:cSld>
+  <p:clrMapOvr>
+    <a:masterClrMapping/>
+  </p:clrMapOvr>
+</p:sld>
+</file>
+
+<file path=ppt/slides/slide15.xml><?xml version="1.0" encoding="utf-8"?>
+<p:sld xmlns:a="http://schemas.openxmlformats.org/drawingml/2006/main" xmlns:r="http://schemas.openxmlformats.org/officeDocument/2006/relationships" xmlns:p="http://schemas.openxmlformats.org/presentationml/2006/main">
+  <p:cSld>
+    <p:spTree>
+      <p:nvGrpSpPr>
+        <p:cNvPr id="1" name=""/>
+        <p:cNvGrpSpPr/>
+        <p:nvPr/>
+      </p:nvGrpSpPr>
+      <p:grpSpPr>
+        <a:xfrm>
+          <a:off x="0" y="0"/>
+          <a:ext cx="0" cy="0"/>
+          <a:chOff x="0" y="0"/>
+          <a:chExt cx="0" cy="0"/>
+        </a:xfrm>
+      </p:grpSpPr>
+      <p:pic>
+        <p:nvPicPr>
+          <p:cNvPr id="9" name="Picture 8"/>
+          <p:cNvPicPr>
+            <a:picLocks noChangeAspect="1"/>
+          </p:cNvPicPr>
           <p:nvPr/>
-        </p:nvSpPr>
+        </p:nvPicPr>
+        <p:blipFill>
+          <a:blip r:embed="rId2">
+            <a:extLst>
+              <a:ext uri="{BEBA8EAE-BF5A-486C-A8C5-ECC9F3942E4B}">
+                <a14:imgProps xmlns:a14="http://schemas.microsoft.com/office/drawing/2010/main">
+                  <a14:imgLayer r:embed="rId3">
+                    <a14:imgEffect>
+                      <a14:brightnessContrast bright="45000"/>
+                    </a14:imgEffect>
+                  </a14:imgLayer>
+                </a14:imgProps>
+              </a:ext>
+              <a:ext uri="{28A0092B-C50C-407E-A947-70E740481C1C}">
+                <a14:useLocalDpi xmlns:a14="http://schemas.microsoft.com/office/drawing/2010/main" val="0"/>
+              </a:ext>
+            </a:extLst>
+          </a:blip>
+          <a:stretch>
+            <a:fillRect/>
+          </a:stretch>
+        </p:blipFill>
         <p:spPr>
-          <a:xfrm rot="5400000">
-            <a:off x="5792348" y="911778"/>
-            <a:ext cx="43200" cy="1980600"/>
+          <a:xfrm>
+            <a:off x="3995936" y="1707654"/>
+            <a:ext cx="4983138" cy="1811652"/>
           </a:xfrm>
           <a:prstGeom prst="rect">
             <a:avLst/>
           </a:prstGeom>
-          <a:solidFill>
-            <a:schemeClr val="lt2"/>
-          </a:solidFill>
-          <a:ln>
-            <a:noFill/>
-          </a:ln>
         </p:spPr>
-        <p:txBody>
-          <a:bodyPr spcFirstLastPara="1" wrap="square" lIns="91425" tIns="91425" rIns="91425" bIns="91425" anchor="ctr" anchorCtr="0">
-            <a:noAutofit/>
-          </a:bodyPr>
-          <a:lstStyle/>
-          <a:p>
-            <a:pPr marL="0" lvl="0" indent="0" algn="l" rtl="0">
-              <a:spcBef>
-                <a:spcPts val="0"/>
-              </a:spcBef>
-              <a:spcAft>
-                <a:spcPts val="0"/>
-              </a:spcAft>
-              <a:buNone/>
-            </a:pPr>
-            <a:endParaRPr/>
-          </a:p>
-        </p:txBody>
-      </p:sp>
+      </p:pic>
     </p:spTree>
     <p:extLst>
       <p:ext uri="{BB962C8B-B14F-4D97-AF65-F5344CB8AC3E}">
@@ -18687,7 +19008,7 @@
         </p:nvSpPr>
         <p:spPr>
           <a:xfrm>
-            <a:off x="4572000" y="811062"/>
+            <a:off x="4558082" y="771550"/>
             <a:ext cx="3858900" cy="592800"/>
           </a:xfrm>
           <a:prstGeom prst="rect">
@@ -18711,211 +19032,9 @@
             </a:pPr>
             <a:r>
               <a:rPr lang="en" dirty="0" smtClean="0"/>
-              <a:t>ADP,</a:t>
-            </a:r>
-            <a:r>
-              <a:rPr lang="en" sz="3200" dirty="0" smtClean="0"/>
-              <a:t>LLC</a:t>
-            </a:r>
-            <a:r>
-              <a:rPr lang="en" dirty="0" smtClean="0"/>
-              <a:t> </a:t>
+              <a:t>Contents</a:t>
             </a:r>
             <a:endParaRPr dirty="0"/>
-          </a:p>
-        </p:txBody>
-      </p:sp>
-      <p:sp>
-        <p:nvSpPr>
-          <p:cNvPr id="454" name="Google Shape;454;p44"/>
-          <p:cNvSpPr txBox="1">
-            <a:spLocks noGrp="1"/>
-          </p:cNvSpPr>
-          <p:nvPr>
-            <p:ph type="subTitle" idx="1"/>
-          </p:nvPr>
-        </p:nvSpPr>
-        <p:spPr>
-          <a:xfrm>
-            <a:off x="4572000" y="1563638"/>
-            <a:ext cx="3858900" cy="2776200"/>
-          </a:xfrm>
-          <a:prstGeom prst="rect">
-            <a:avLst/>
-          </a:prstGeom>
-        </p:spPr>
-        <p:txBody>
-          <a:bodyPr spcFirstLastPara="1" wrap="square" lIns="91425" tIns="91425" rIns="91425" bIns="91425" anchor="ctr" anchorCtr="0">
-            <a:noAutofit/>
-          </a:bodyPr>
-          <a:lstStyle/>
-          <a:p>
-            <a:pPr marL="0" indent="0">
-              <a:buNone/>
-            </a:pPr>
-            <a:r>
-              <a:rPr lang="en-IN" sz="2000" b="1" dirty="0" smtClean="0">
-                <a:latin typeface="Times New Roman" pitchFamily="18" charset="0"/>
-              </a:rPr>
-              <a:t>Products and Services</a:t>
-            </a:r>
-          </a:p>
-          <a:p>
-            <a:pPr marL="0" lvl="0" indent="0" algn="l" rtl="0">
-              <a:spcBef>
-                <a:spcPts val="0"/>
-              </a:spcBef>
-              <a:spcAft>
-                <a:spcPts val="0"/>
-              </a:spcAft>
-              <a:buNone/>
-            </a:pPr>
-            <a:endParaRPr dirty="0">
-              <a:latin typeface="Times New Roman" pitchFamily="18" charset="0"/>
-            </a:endParaRPr>
-          </a:p>
-          <a:p>
-            <a:pPr marL="0" lvl="0" indent="0" algn="l" rtl="0">
-              <a:spcBef>
-                <a:spcPts val="0"/>
-              </a:spcBef>
-              <a:spcAft>
-                <a:spcPts val="0"/>
-              </a:spcAft>
-              <a:buNone/>
-            </a:pPr>
-            <a:r>
-              <a:rPr lang="en" b="1" dirty="0" smtClean="0">
-                <a:latin typeface="Times New Roman" pitchFamily="18" charset="0"/>
-              </a:rPr>
-              <a:t>ADP Offers </a:t>
-            </a:r>
-            <a:r>
-              <a:rPr lang="en" dirty="0" smtClean="0">
-                <a:latin typeface="Times New Roman" pitchFamily="18" charset="0"/>
-              </a:rPr>
-              <a:t>:</a:t>
-            </a:r>
-            <a:endParaRPr lang="en" dirty="0">
-              <a:latin typeface="Times New Roman" pitchFamily="18" charset="0"/>
-            </a:endParaRPr>
-          </a:p>
-          <a:p>
-            <a:pPr marL="0" indent="0">
-              <a:buNone/>
-            </a:pPr>
-            <a:endParaRPr lang="en-IN" dirty="0">
-              <a:latin typeface="Times New Roman" pitchFamily="18" charset="0"/>
-            </a:endParaRPr>
-          </a:p>
-          <a:p>
-            <a:pPr marL="457200" lvl="0" indent="-304800" algn="l" rtl="0">
-              <a:spcBef>
-                <a:spcPts val="0"/>
-              </a:spcBef>
-              <a:spcAft>
-                <a:spcPts val="0"/>
-              </a:spcAft>
-              <a:buClr>
-                <a:schemeClr val="lt2"/>
-              </a:buClr>
-              <a:buSzPts val="1200"/>
-              <a:buFont typeface="Montserrat"/>
-              <a:buChar char="●"/>
-            </a:pPr>
-            <a:r>
-              <a:rPr lang="en-IN" sz="1800" dirty="0" smtClean="0">
-                <a:latin typeface="Times New Roman" pitchFamily="18" charset="0"/>
-              </a:rPr>
-              <a:t>Payroll</a:t>
-            </a:r>
-          </a:p>
-          <a:p>
-            <a:pPr indent="-304800">
-              <a:buClr>
-                <a:schemeClr val="lt2"/>
-              </a:buClr>
-              <a:buSzPts val="1200"/>
-              <a:buFont typeface="Montserrat"/>
-              <a:buChar char="●"/>
-            </a:pPr>
-            <a:r>
-              <a:rPr lang="en-IN" sz="1800" dirty="0">
-                <a:latin typeface="Times New Roman" pitchFamily="18" charset="0"/>
-              </a:rPr>
-              <a:t>Time &amp; </a:t>
-            </a:r>
-            <a:r>
-              <a:rPr lang="en-IN" sz="1800" dirty="0" smtClean="0">
-                <a:latin typeface="Times New Roman" pitchFamily="18" charset="0"/>
-              </a:rPr>
-              <a:t>Attendance</a:t>
-            </a:r>
-          </a:p>
-          <a:p>
-            <a:pPr lvl="0" indent="-304800">
-              <a:buClr>
-                <a:schemeClr val="lt2"/>
-              </a:buClr>
-              <a:buSzPts val="1200"/>
-              <a:buFont typeface="Montserrat"/>
-              <a:buChar char="●"/>
-            </a:pPr>
-            <a:r>
-              <a:rPr lang="en-IN" sz="1800" dirty="0" smtClean="0">
-                <a:latin typeface="Times New Roman" pitchFamily="18" charset="0"/>
-              </a:rPr>
-              <a:t>Talent </a:t>
-            </a:r>
-            <a:r>
-              <a:rPr lang="en-IN" sz="1800" dirty="0">
-                <a:latin typeface="Times New Roman" pitchFamily="18" charset="0"/>
-              </a:rPr>
-              <a:t>recruitment to </a:t>
-            </a:r>
-            <a:r>
-              <a:rPr lang="en-IN" sz="1800" dirty="0" smtClean="0">
-                <a:latin typeface="Times New Roman" pitchFamily="18" charset="0"/>
-              </a:rPr>
-              <a:t>retirement</a:t>
-            </a:r>
-          </a:p>
-          <a:p>
-            <a:pPr lvl="0" indent="-304800">
-              <a:buClr>
-                <a:schemeClr val="lt2"/>
-              </a:buClr>
-              <a:buSzPts val="1200"/>
-              <a:buFont typeface="Montserrat"/>
-              <a:buChar char="●"/>
-            </a:pPr>
-            <a:r>
-              <a:rPr lang="en-IN" sz="1800" dirty="0" smtClean="0">
-                <a:latin typeface="Times New Roman" pitchFamily="18" charset="0"/>
-              </a:rPr>
-              <a:t>HR Services and many more…</a:t>
-            </a:r>
-            <a:endParaRPr sz="1800" dirty="0">
-              <a:latin typeface="Times New Roman" pitchFamily="18" charset="0"/>
-            </a:endParaRPr>
-          </a:p>
-          <a:p>
-            <a:pPr marL="152400" lvl="0" indent="0" algn="l" rtl="0">
-              <a:spcBef>
-                <a:spcPts val="0"/>
-              </a:spcBef>
-              <a:spcAft>
-                <a:spcPts val="0"/>
-              </a:spcAft>
-              <a:buClr>
-                <a:schemeClr val="lt2"/>
-              </a:buClr>
-              <a:buSzPts val="1200"/>
-              <a:buNone/>
-            </a:pPr>
-            <a:endParaRPr sz="1800" dirty="0">
-              <a:latin typeface="Times New Roman" pitchFamily="18" charset="0"/>
-            </a:endParaRPr>
           </a:p>
         </p:txBody>
       </p:sp>
@@ -18956,6 +19075,429 @@
               <a:buNone/>
             </a:pPr>
             <a:endParaRPr/>
+          </a:p>
+        </p:txBody>
+      </p:sp>
+      <p:sp>
+        <p:nvSpPr>
+          <p:cNvPr id="5" name="Google Shape;630;p60"/>
+          <p:cNvSpPr txBox="1">
+            <a:spLocks/>
+          </p:cNvSpPr>
+          <p:nvPr/>
+        </p:nvSpPr>
+        <p:spPr>
+          <a:xfrm>
+            <a:off x="4678129" y="1851670"/>
+            <a:ext cx="3594141" cy="2592288"/>
+          </a:xfrm>
+          <a:prstGeom prst="rect">
+            <a:avLst/>
+          </a:prstGeom>
+        </p:spPr>
+        <p:txBody>
+          <a:bodyPr spcFirstLastPara="1" wrap="square" lIns="91425" tIns="91425" rIns="91425" bIns="91425" anchor="t" anchorCtr="0">
+            <a:noAutofit/>
+          </a:bodyPr>
+          <a:lstStyle>
+            <a:defPPr marR="0" lvl="0" algn="l" rtl="0">
+              <a:lnSpc>
+                <a:spcPct val="100000"/>
+              </a:lnSpc>
+              <a:spcBef>
+                <a:spcPts val="0"/>
+              </a:spcBef>
+              <a:spcAft>
+                <a:spcPts val="0"/>
+              </a:spcAft>
+            </a:defPPr>
+            <a:lvl1pPr marR="0" lvl="0" algn="l" rtl="0">
+              <a:lnSpc>
+                <a:spcPct val="100000"/>
+              </a:lnSpc>
+              <a:spcBef>
+                <a:spcPts val="0"/>
+              </a:spcBef>
+              <a:spcAft>
+                <a:spcPts val="0"/>
+              </a:spcAft>
+              <a:buClr>
+                <a:srgbClr val="000000"/>
+              </a:buClr>
+              <a:buFont typeface="Arial"/>
+              <a:defRPr sz="1400" b="0" i="0" u="none" strike="noStrike" cap="none">
+                <a:solidFill>
+                  <a:srgbClr val="000000"/>
+                </a:solidFill>
+                <a:latin typeface="Arial"/>
+                <a:ea typeface="Arial"/>
+                <a:cs typeface="Arial"/>
+                <a:sym typeface="Arial"/>
+              </a:defRPr>
+            </a:lvl1pPr>
+            <a:lvl2pPr marR="0" lvl="1" algn="l" rtl="0">
+              <a:lnSpc>
+                <a:spcPct val="100000"/>
+              </a:lnSpc>
+              <a:spcBef>
+                <a:spcPts val="0"/>
+              </a:spcBef>
+              <a:spcAft>
+                <a:spcPts val="0"/>
+              </a:spcAft>
+              <a:buClr>
+                <a:srgbClr val="000000"/>
+              </a:buClr>
+              <a:buFont typeface="Arial"/>
+              <a:defRPr sz="1400" b="0" i="0" u="none" strike="noStrike" cap="none">
+                <a:solidFill>
+                  <a:srgbClr val="000000"/>
+                </a:solidFill>
+                <a:latin typeface="Arial"/>
+                <a:ea typeface="Arial"/>
+                <a:cs typeface="Arial"/>
+                <a:sym typeface="Arial"/>
+              </a:defRPr>
+            </a:lvl2pPr>
+            <a:lvl3pPr marR="0" lvl="2" algn="l" rtl="0">
+              <a:lnSpc>
+                <a:spcPct val="100000"/>
+              </a:lnSpc>
+              <a:spcBef>
+                <a:spcPts val="0"/>
+              </a:spcBef>
+              <a:spcAft>
+                <a:spcPts val="0"/>
+              </a:spcAft>
+              <a:buClr>
+                <a:srgbClr val="000000"/>
+              </a:buClr>
+              <a:buFont typeface="Arial"/>
+              <a:defRPr sz="1400" b="0" i="0" u="none" strike="noStrike" cap="none">
+                <a:solidFill>
+                  <a:srgbClr val="000000"/>
+                </a:solidFill>
+                <a:latin typeface="Arial"/>
+                <a:ea typeface="Arial"/>
+                <a:cs typeface="Arial"/>
+                <a:sym typeface="Arial"/>
+              </a:defRPr>
+            </a:lvl3pPr>
+            <a:lvl4pPr marR="0" lvl="3" algn="l" rtl="0">
+              <a:lnSpc>
+                <a:spcPct val="100000"/>
+              </a:lnSpc>
+              <a:spcBef>
+                <a:spcPts val="0"/>
+              </a:spcBef>
+              <a:spcAft>
+                <a:spcPts val="0"/>
+              </a:spcAft>
+              <a:buClr>
+                <a:srgbClr val="000000"/>
+              </a:buClr>
+              <a:buFont typeface="Arial"/>
+              <a:defRPr sz="1400" b="0" i="0" u="none" strike="noStrike" cap="none">
+                <a:solidFill>
+                  <a:srgbClr val="000000"/>
+                </a:solidFill>
+                <a:latin typeface="Arial"/>
+                <a:ea typeface="Arial"/>
+                <a:cs typeface="Arial"/>
+                <a:sym typeface="Arial"/>
+              </a:defRPr>
+            </a:lvl4pPr>
+            <a:lvl5pPr marR="0" lvl="4" algn="l" rtl="0">
+              <a:lnSpc>
+                <a:spcPct val="100000"/>
+              </a:lnSpc>
+              <a:spcBef>
+                <a:spcPts val="0"/>
+              </a:spcBef>
+              <a:spcAft>
+                <a:spcPts val="0"/>
+              </a:spcAft>
+              <a:buClr>
+                <a:srgbClr val="000000"/>
+              </a:buClr>
+              <a:buFont typeface="Arial"/>
+              <a:defRPr sz="1400" b="0" i="0" u="none" strike="noStrike" cap="none">
+                <a:solidFill>
+                  <a:srgbClr val="000000"/>
+                </a:solidFill>
+                <a:latin typeface="Arial"/>
+                <a:ea typeface="Arial"/>
+                <a:cs typeface="Arial"/>
+                <a:sym typeface="Arial"/>
+              </a:defRPr>
+            </a:lvl5pPr>
+            <a:lvl6pPr marR="0" lvl="5" algn="l" rtl="0">
+              <a:lnSpc>
+                <a:spcPct val="100000"/>
+              </a:lnSpc>
+              <a:spcBef>
+                <a:spcPts val="0"/>
+              </a:spcBef>
+              <a:spcAft>
+                <a:spcPts val="0"/>
+              </a:spcAft>
+              <a:buClr>
+                <a:srgbClr val="000000"/>
+              </a:buClr>
+              <a:buFont typeface="Arial"/>
+              <a:defRPr sz="1400" b="0" i="0" u="none" strike="noStrike" cap="none">
+                <a:solidFill>
+                  <a:srgbClr val="000000"/>
+                </a:solidFill>
+                <a:latin typeface="Arial"/>
+                <a:ea typeface="Arial"/>
+                <a:cs typeface="Arial"/>
+                <a:sym typeface="Arial"/>
+              </a:defRPr>
+            </a:lvl6pPr>
+            <a:lvl7pPr marR="0" lvl="6" algn="l" rtl="0">
+              <a:lnSpc>
+                <a:spcPct val="100000"/>
+              </a:lnSpc>
+              <a:spcBef>
+                <a:spcPts val="0"/>
+              </a:spcBef>
+              <a:spcAft>
+                <a:spcPts val="0"/>
+              </a:spcAft>
+              <a:buClr>
+                <a:srgbClr val="000000"/>
+              </a:buClr>
+              <a:buFont typeface="Arial"/>
+              <a:defRPr sz="1400" b="0" i="0" u="none" strike="noStrike" cap="none">
+                <a:solidFill>
+                  <a:srgbClr val="000000"/>
+                </a:solidFill>
+                <a:latin typeface="Arial"/>
+                <a:ea typeface="Arial"/>
+                <a:cs typeface="Arial"/>
+                <a:sym typeface="Arial"/>
+              </a:defRPr>
+            </a:lvl7pPr>
+            <a:lvl8pPr marR="0" lvl="7" algn="l" rtl="0">
+              <a:lnSpc>
+                <a:spcPct val="100000"/>
+              </a:lnSpc>
+              <a:spcBef>
+                <a:spcPts val="0"/>
+              </a:spcBef>
+              <a:spcAft>
+                <a:spcPts val="0"/>
+              </a:spcAft>
+              <a:buClr>
+                <a:srgbClr val="000000"/>
+              </a:buClr>
+              <a:buFont typeface="Arial"/>
+              <a:defRPr sz="1400" b="0" i="0" u="none" strike="noStrike" cap="none">
+                <a:solidFill>
+                  <a:srgbClr val="000000"/>
+                </a:solidFill>
+                <a:latin typeface="Arial"/>
+                <a:ea typeface="Arial"/>
+                <a:cs typeface="Arial"/>
+                <a:sym typeface="Arial"/>
+              </a:defRPr>
+            </a:lvl8pPr>
+            <a:lvl9pPr marR="0" lvl="8" algn="l" rtl="0">
+              <a:lnSpc>
+                <a:spcPct val="100000"/>
+              </a:lnSpc>
+              <a:spcBef>
+                <a:spcPts val="0"/>
+              </a:spcBef>
+              <a:spcAft>
+                <a:spcPts val="0"/>
+              </a:spcAft>
+              <a:buClr>
+                <a:srgbClr val="000000"/>
+              </a:buClr>
+              <a:buFont typeface="Arial"/>
+              <a:defRPr sz="1400" b="0" i="0" u="none" strike="noStrike" cap="none">
+                <a:solidFill>
+                  <a:srgbClr val="000000"/>
+                </a:solidFill>
+                <a:latin typeface="Arial"/>
+                <a:ea typeface="Arial"/>
+                <a:cs typeface="Arial"/>
+                <a:sym typeface="Arial"/>
+              </a:defRPr>
+            </a:lvl9pPr>
+          </a:lstStyle>
+          <a:p>
+            <a:pPr marL="285750" indent="-285750">
+              <a:buClr>
+                <a:schemeClr val="tx1"/>
+              </a:buClr>
+              <a:buSzPct val="125000"/>
+              <a:buFont typeface="Arial" pitchFamily="34" charset="0"/>
+              <a:buChar char="•"/>
+            </a:pPr>
+            <a:r>
+              <a:rPr lang="en-IN" sz="1800" dirty="0" smtClean="0">
+                <a:solidFill>
+                  <a:schemeClr val="tx1"/>
+                </a:solidFill>
+                <a:latin typeface="Times New Roman" pitchFamily="18" charset="0"/>
+              </a:rPr>
+              <a:t>Internship</a:t>
+            </a:r>
+          </a:p>
+          <a:p>
+            <a:pPr marL="285750" indent="-285750">
+              <a:buClr>
+                <a:schemeClr val="tx1"/>
+              </a:buClr>
+              <a:buSzPct val="125000"/>
+              <a:buFont typeface="Arial" pitchFamily="34" charset="0"/>
+              <a:buChar char="•"/>
+            </a:pPr>
+            <a:r>
+              <a:rPr lang="en-IN" sz="1800" dirty="0" smtClean="0">
+                <a:solidFill>
+                  <a:schemeClr val="tx1"/>
+                </a:solidFill>
+                <a:latin typeface="Times New Roman" pitchFamily="18" charset="0"/>
+              </a:rPr>
+              <a:t>Area of study</a:t>
+            </a:r>
+          </a:p>
+          <a:p>
+            <a:pPr marL="285750" indent="-285750">
+              <a:buClr>
+                <a:schemeClr val="tx1"/>
+              </a:buClr>
+              <a:buSzPct val="125000"/>
+              <a:buFont typeface="Arial" pitchFamily="34" charset="0"/>
+              <a:buChar char="•"/>
+            </a:pPr>
+            <a:r>
+              <a:rPr lang="en-IN" sz="1800" dirty="0" smtClean="0">
+                <a:solidFill>
+                  <a:schemeClr val="tx1"/>
+                </a:solidFill>
+                <a:latin typeface="Times New Roman" pitchFamily="18" charset="0"/>
+              </a:rPr>
+              <a:t>Elastic search</a:t>
+            </a:r>
+          </a:p>
+          <a:p>
+            <a:pPr marL="285750" indent="-285750">
+              <a:buClr>
+                <a:schemeClr val="tx1"/>
+              </a:buClr>
+              <a:buSzPct val="125000"/>
+              <a:buFont typeface="Arial" pitchFamily="34" charset="0"/>
+              <a:buChar char="•"/>
+            </a:pPr>
+            <a:r>
+              <a:rPr lang="en-IN" sz="1800" dirty="0" smtClean="0">
+                <a:solidFill>
+                  <a:schemeClr val="tx1"/>
+                </a:solidFill>
+                <a:latin typeface="Times New Roman" pitchFamily="18" charset="0"/>
+              </a:rPr>
+              <a:t>Requirements</a:t>
+            </a:r>
+          </a:p>
+          <a:p>
+            <a:pPr marL="285750" indent="-285750">
+              <a:buClr>
+                <a:schemeClr val="tx1"/>
+              </a:buClr>
+              <a:buSzPct val="125000"/>
+              <a:buFont typeface="Arial" pitchFamily="34" charset="0"/>
+              <a:buChar char="•"/>
+            </a:pPr>
+            <a:r>
+              <a:rPr lang="en-IN" sz="1800" dirty="0" smtClean="0">
+                <a:solidFill>
+                  <a:schemeClr val="tx1"/>
+                </a:solidFill>
+                <a:latin typeface="Times New Roman" pitchFamily="18" charset="0"/>
+              </a:rPr>
+              <a:t>Contribution to the project</a:t>
+            </a:r>
+          </a:p>
+          <a:p>
+            <a:pPr marL="285750" indent="-285750">
+              <a:buClr>
+                <a:schemeClr val="tx1"/>
+              </a:buClr>
+              <a:buSzPct val="125000"/>
+              <a:buFont typeface="Arial" pitchFamily="34" charset="0"/>
+              <a:buChar char="•"/>
+            </a:pPr>
+            <a:r>
+              <a:rPr lang="en-IN" sz="1800" dirty="0" smtClean="0">
+                <a:solidFill>
+                  <a:schemeClr val="tx1"/>
+                </a:solidFill>
+                <a:latin typeface="Times New Roman" pitchFamily="18" charset="0"/>
+              </a:rPr>
+              <a:t>Utilization in project</a:t>
+            </a:r>
+          </a:p>
+          <a:p>
+            <a:pPr marL="285750" indent="-285750">
+              <a:buClr>
+                <a:schemeClr val="tx1"/>
+              </a:buClr>
+              <a:buSzPct val="125000"/>
+              <a:buFont typeface="Arial" pitchFamily="34" charset="0"/>
+              <a:buChar char="•"/>
+            </a:pPr>
+            <a:r>
+              <a:rPr lang="en-IN" sz="1800" dirty="0" smtClean="0">
+                <a:solidFill>
+                  <a:schemeClr val="tx1"/>
+                </a:solidFill>
+                <a:latin typeface="Times New Roman" pitchFamily="18" charset="0"/>
+              </a:rPr>
+              <a:t>Other requirements</a:t>
+            </a:r>
+          </a:p>
+          <a:p>
+            <a:pPr marL="285750" indent="-285750">
+              <a:buClr>
+                <a:schemeClr val="tx1"/>
+              </a:buClr>
+              <a:buSzPct val="125000"/>
+              <a:buFont typeface="Arial" pitchFamily="34" charset="0"/>
+              <a:buChar char="•"/>
+            </a:pPr>
+            <a:r>
+              <a:rPr lang="en-IN" sz="1800" dirty="0" smtClean="0">
+                <a:solidFill>
+                  <a:schemeClr val="tx1"/>
+                </a:solidFill>
+                <a:latin typeface="Times New Roman" pitchFamily="18" charset="0"/>
+              </a:rPr>
+              <a:t>Learning outcome</a:t>
+            </a:r>
+          </a:p>
+          <a:p>
+            <a:pPr marL="285750" indent="-285750">
+              <a:buClr>
+                <a:schemeClr val="tx1"/>
+              </a:buClr>
+              <a:buSzPct val="125000"/>
+              <a:buFont typeface="Arial" pitchFamily="34" charset="0"/>
+              <a:buChar char="•"/>
+            </a:pPr>
+            <a:r>
+              <a:rPr lang="en-IN" sz="1800" dirty="0" smtClean="0">
+                <a:solidFill>
+                  <a:schemeClr val="tx1"/>
+                </a:solidFill>
+                <a:latin typeface="Times New Roman" pitchFamily="18" charset="0"/>
+              </a:rPr>
+              <a:t>Queries</a:t>
+            </a:r>
           </a:p>
         </p:txBody>
       </p:sp>
@@ -25043,25 +25585,7 @@
                 </a:solidFill>
                 <a:latin typeface="Times New Roman" pitchFamily="18" charset="0"/>
               </a:rPr>
-              <a:t>The data I will be </a:t>
-            </a:r>
-            <a:r>
-              <a:rPr lang="en-IN" sz="1800" dirty="0" smtClean="0">
-                <a:solidFill>
-                  <a:schemeClr val="tx1"/>
-                </a:solidFill>
-                <a:latin typeface="Times New Roman" pitchFamily="18" charset="0"/>
-              </a:rPr>
-              <a:t>having </a:t>
-            </a:r>
-            <a:r>
-              <a:rPr lang="en-IN" sz="1800" dirty="0" smtClean="0">
-                <a:solidFill>
-                  <a:schemeClr val="tx1"/>
-                </a:solidFill>
-                <a:latin typeface="Times New Roman" pitchFamily="18" charset="0"/>
-              </a:rPr>
-              <a:t>with columns</a:t>
+              <a:t>The data I will be having with columns</a:t>
             </a:r>
           </a:p>
           <a:p>
@@ -25167,25 +25691,7 @@
                 </a:solidFill>
                 <a:latin typeface="Times New Roman" pitchFamily="18" charset="0"/>
               </a:rPr>
-              <a:t>If agency_name is present in the index it will be retrieved and modified and </a:t>
-            </a:r>
-            <a:r>
-              <a:rPr lang="en-IN" sz="1800" dirty="0" smtClean="0">
-                <a:solidFill>
-                  <a:schemeClr val="tx1"/>
-                </a:solidFill>
-                <a:latin typeface="Times New Roman" pitchFamily="18" charset="0"/>
-              </a:rPr>
-              <a:t>inserted in </a:t>
-            </a:r>
-            <a:r>
-              <a:rPr lang="en-IN" sz="1800" dirty="0" smtClean="0">
-                <a:solidFill>
-                  <a:schemeClr val="tx1"/>
-                </a:solidFill>
-                <a:latin typeface="Times New Roman" pitchFamily="18" charset="0"/>
-              </a:rPr>
-              <a:t>the total document again using same document id. </a:t>
+              <a:t>If agency_name is present in the index it will be retrieved and modified and inserted in the total document again using same document id. </a:t>
             </a:r>
           </a:p>
         </p:txBody>

--- a/presentation_to_seniors.pptx
+++ b/presentation_to_seniors.pptx
@@ -42,15 +42,15 @@
       <p:italic r:id="rId22"/>
     </p:embeddedFont>
     <p:embeddedFont>
-      <p:font typeface="Josefin Slab" charset="0"/>
+      <p:font typeface="Francois One" charset="0"/>
       <p:regular r:id="rId23"/>
-      <p:bold r:id="rId24"/>
-      <p:italic r:id="rId25"/>
-      <p:boldItalic r:id="rId26"/>
     </p:embeddedFont>
     <p:embeddedFont>
-      <p:font typeface="Francois One" charset="0"/>
-      <p:regular r:id="rId27"/>
+      <p:font typeface="Josefin Slab" charset="0"/>
+      <p:regular r:id="rId24"/>
+      <p:bold r:id="rId25"/>
+      <p:italic r:id="rId26"/>
+      <p:boldItalic r:id="rId27"/>
     </p:embeddedFont>
   </p:embeddedFontLst>
   <p:defaultTextStyle>
@@ -14328,16 +14328,16 @@
                 </a:solidFill>
                 <a:latin typeface="Times New Roman" pitchFamily="18" charset="0"/>
               </a:rPr>
-              <a:t>P . </a:t>
+              <a:t>P . Mehar </a:t>
             </a:r>
             <a:r>
-              <a:rPr lang="en-IN" sz="1800" dirty="0" err="1" smtClean="0">
+              <a:rPr lang="en-IN" sz="1800" dirty="0">
                 <a:solidFill>
                   <a:schemeClr val="tx1"/>
                 </a:solidFill>
                 <a:latin typeface="Times New Roman" pitchFamily="18" charset="0"/>
               </a:rPr>
-              <a:t>Mehar</a:t>
+              <a:t>S</a:t>
             </a:r>
             <a:r>
               <a:rPr lang="en-IN" sz="1800" dirty="0" smtClean="0">
@@ -14346,50 +14346,8 @@
                 </a:solidFill>
                 <a:latin typeface="Times New Roman" pitchFamily="18" charset="0"/>
               </a:rPr>
-              <a:t> </a:t>
+              <a:t>rinivas Chowdari</a:t>
             </a:r>
-            <a:r>
-              <a:rPr lang="en-IN" sz="1800" dirty="0" err="1">
-                <a:solidFill>
-                  <a:schemeClr val="tx1"/>
-                </a:solidFill>
-                <a:latin typeface="Times New Roman" pitchFamily="18" charset="0"/>
-              </a:rPr>
-              <a:t>S</a:t>
-            </a:r>
-            <a:r>
-              <a:rPr lang="en-IN" sz="1800" dirty="0" err="1" smtClean="0">
-                <a:solidFill>
-                  <a:schemeClr val="tx1"/>
-                </a:solidFill>
-                <a:latin typeface="Times New Roman" pitchFamily="18" charset="0"/>
-              </a:rPr>
-              <a:t>rinivas</a:t>
-            </a:r>
-            <a:r>
-              <a:rPr lang="en-IN" sz="1800" dirty="0" smtClean="0">
-                <a:solidFill>
-                  <a:schemeClr val="tx1"/>
-                </a:solidFill>
-                <a:latin typeface="Times New Roman" pitchFamily="18" charset="0"/>
-              </a:rPr>
-              <a:t> </a:t>
-            </a:r>
-            <a:r>
-              <a:rPr lang="en-IN" sz="1800" dirty="0" err="1" smtClean="0">
-                <a:solidFill>
-                  <a:schemeClr val="tx1"/>
-                </a:solidFill>
-                <a:latin typeface="Times New Roman" pitchFamily="18" charset="0"/>
-              </a:rPr>
-              <a:t>Chowdari</a:t>
-            </a:r>
-            <a:endParaRPr lang="en-IN" sz="1800" dirty="0" smtClean="0">
-              <a:solidFill>
-                <a:schemeClr val="tx1"/>
-              </a:solidFill>
-              <a:latin typeface="Times New Roman" pitchFamily="18" charset="0"/>
-            </a:endParaRPr>
           </a:p>
           <a:p>
             <a:pPr>
@@ -15011,10 +14969,10 @@
               <a:buNone/>
             </a:pPr>
             <a:r>
-              <a:rPr lang="en" sz="3000"/>
+              <a:rPr lang="en" sz="3000" dirty="0"/>
               <a:t>2</a:t>
             </a:r>
-            <a:endParaRPr sz="3000"/>
+            <a:endParaRPr sz="3000" dirty="0"/>
           </a:p>
         </p:txBody>
       </p:sp>
@@ -17248,16 +17206,7 @@
                 </a:solidFill>
                 <a:latin typeface="Times New Roman" pitchFamily="18" charset="0"/>
               </a:rPr>
-              <a:t>Python b</a:t>
-            </a:r>
-            <a:r>
-              <a:rPr lang="en-IN" sz="1800" dirty="0" smtClean="0">
-                <a:solidFill>
-                  <a:schemeClr val="tx1"/>
-                </a:solidFill>
-                <a:latin typeface="Times New Roman" pitchFamily="18" charset="0"/>
-              </a:rPr>
-              <a:t>oto3 module is used in connecting with the opensearch dashboard</a:t>
+              <a:t>Python boto3 module is used in connecting with the opensearch dashboard</a:t>
             </a:r>
             <a:r>
               <a:rPr lang="en-IN" sz="1800" dirty="0">
@@ -17788,10 +17737,10 @@
         </p:nvGrpSpPr>
         <p:grpSpPr>
           <a:xfrm>
-            <a:off x="1239420" y="3318713"/>
-            <a:ext cx="848492" cy="535037"/>
-            <a:chOff x="5339733" y="3012987"/>
-            <a:chExt cx="1663055" cy="1048681"/>
+            <a:off x="1254533" y="3312452"/>
+            <a:ext cx="833376" cy="541298"/>
+            <a:chOff x="5369359" y="3000716"/>
+            <a:chExt cx="1633429" cy="1060952"/>
           </a:xfrm>
         </p:grpSpPr>
         <p:sp>
@@ -17842,8 +17791,8 @@
           </p:nvSpPr>
           <p:spPr>
             <a:xfrm rot="2700000">
-              <a:off x="5614583" y="2738137"/>
-              <a:ext cx="678967" cy="1228668"/>
+              <a:off x="5602313" y="2767762"/>
+              <a:ext cx="762760" cy="1228668"/>
             </a:xfrm>
             <a:prstGeom prst="rect">
               <a:avLst/>
@@ -18124,16 +18073,16 @@
               <a:buNone/>
             </a:pPr>
             <a:r>
-              <a:rPr lang="en-IN" sz="1800" dirty="0" smtClean="0">
+              <a:rPr lang="en" sz="1800" smtClean="0">
                 <a:latin typeface="Times New Roman" pitchFamily="18" charset="0"/>
               </a:rPr>
-              <a:t>U</a:t>
+              <a:t>understanding </a:t>
             </a:r>
             <a:r>
               <a:rPr lang="en" sz="1800" dirty="0" smtClean="0">
                 <a:latin typeface="Times New Roman" pitchFamily="18" charset="0"/>
               </a:rPr>
-              <a:t>nderstanding cloud based data bases</a:t>
+              <a:t>cloud based data bases</a:t>
             </a:r>
             <a:endParaRPr sz="1800" dirty="0">
               <a:latin typeface="Times New Roman" pitchFamily="18" charset="0"/>
@@ -18458,16 +18407,16 @@
               <a:buNone/>
             </a:pPr>
             <a:r>
-              <a:rPr lang="en-IN" sz="1800" dirty="0" err="1" smtClean="0">
+              <a:rPr lang="en-IN" sz="1800" dirty="0" smtClean="0">
                 <a:latin typeface="Times New Roman" pitchFamily="18" charset="0"/>
               </a:rPr>
-              <a:t>Docker</a:t>
+              <a:t>Docker, JIRA, GIT, agile process </a:t>
             </a:r>
             <a:r>
               <a:rPr lang="en-IN" sz="1800" dirty="0" smtClean="0">
                 <a:latin typeface="Times New Roman" pitchFamily="18" charset="0"/>
               </a:rPr>
-              <a:t>, JIRA, GIT, agile process etc..</a:t>
+              <a:t>etc...</a:t>
             </a:r>
             <a:endParaRPr sz="1800" dirty="0">
               <a:latin typeface="Times New Roman" pitchFamily="18" charset="0"/>
@@ -18483,10 +18432,10 @@
         </p:nvGrpSpPr>
         <p:grpSpPr>
           <a:xfrm>
-            <a:off x="1165285" y="1445294"/>
-            <a:ext cx="886435" cy="886426"/>
-            <a:chOff x="5279630" y="2678009"/>
-            <a:chExt cx="1737426" cy="1737410"/>
+            <a:off x="1118361" y="1638582"/>
+            <a:ext cx="829855" cy="552404"/>
+            <a:chOff x="5187661" y="3056859"/>
+            <a:chExt cx="1626529" cy="1082722"/>
           </a:xfrm>
         </p:grpSpPr>
         <p:sp>
@@ -18537,8 +18486,8 @@
           </p:nvSpPr>
           <p:spPr>
             <a:xfrm rot="2700000">
-              <a:off x="5688805" y="2558975"/>
-              <a:ext cx="172251" cy="1228669"/>
+              <a:off x="5677593" y="2586042"/>
+              <a:ext cx="248805" cy="1228669"/>
             </a:xfrm>
             <a:prstGeom prst="rect">
               <a:avLst/>
@@ -18673,10 +18622,10 @@
         </p:nvGrpSpPr>
         <p:grpSpPr>
           <a:xfrm>
-            <a:off x="5023100" y="3354799"/>
-            <a:ext cx="761565" cy="570920"/>
-            <a:chOff x="5404156" y="2986340"/>
-            <a:chExt cx="1492678" cy="1119012"/>
+            <a:off x="5034472" y="3350092"/>
+            <a:ext cx="750195" cy="575629"/>
+            <a:chOff x="5426442" y="2977111"/>
+            <a:chExt cx="1470392" cy="1128241"/>
           </a:xfrm>
         </p:grpSpPr>
         <p:sp>
@@ -18727,8 +18676,8 @@
           </p:nvSpPr>
           <p:spPr>
             <a:xfrm rot="2700000">
-              <a:off x="5587954" y="2802542"/>
-              <a:ext cx="861073" cy="1228669"/>
+              <a:off x="5578725" y="2824828"/>
+              <a:ext cx="924102" cy="1228668"/>
             </a:xfrm>
             <a:prstGeom prst="rect">
               <a:avLst/>
@@ -19627,7 +19576,7 @@
         </p:nvSpPr>
         <p:spPr>
           <a:xfrm>
-            <a:off x="755576" y="2458050"/>
+            <a:off x="755576" y="2427734"/>
             <a:ext cx="2080800" cy="487200"/>
           </a:xfrm>
           <a:prstGeom prst="rect">
@@ -19711,7 +19660,7 @@
         </p:nvSpPr>
         <p:spPr>
           <a:xfrm>
-            <a:off x="5508104" y="2355726"/>
+            <a:off x="5508104" y="2444590"/>
             <a:ext cx="3024336" cy="487200"/>
           </a:xfrm>
           <a:prstGeom prst="rect">
@@ -21758,7 +21707,19 @@
               <a:rPr lang="en-IN" dirty="0" smtClean="0">
                 <a:latin typeface="Times New Roman" pitchFamily="18" charset="0"/>
               </a:rPr>
-              <a:t>Implementing it in local and storing 2D data in to it</a:t>
+              <a:t>Implementing it in local and storing 2D data </a:t>
+            </a:r>
+            <a:r>
+              <a:rPr lang="en-IN" dirty="0" smtClean="0">
+                <a:latin typeface="Times New Roman" pitchFamily="18" charset="0"/>
+              </a:rPr>
+              <a:t>into </a:t>
+            </a:r>
+            <a:r>
+              <a:rPr lang="en-IN" dirty="0" smtClean="0">
+                <a:latin typeface="Times New Roman" pitchFamily="18" charset="0"/>
+              </a:rPr>
+              <a:t>it</a:t>
             </a:r>
             <a:endParaRPr dirty="0">
               <a:latin typeface="Times New Roman" pitchFamily="18" charset="0"/>
@@ -21959,7 +21920,13 @@
               <a:rPr lang="en-IN" dirty="0" smtClean="0">
                 <a:latin typeface="Times New Roman" pitchFamily="18" charset="0"/>
               </a:rPr>
-              <a:t>Git (code versioning)</a:t>
+              <a:t>GIT </a:t>
+            </a:r>
+            <a:r>
+              <a:rPr lang="en-IN" dirty="0" smtClean="0">
+                <a:latin typeface="Times New Roman" pitchFamily="18" charset="0"/>
+              </a:rPr>
+              <a:t>(code versioning)</a:t>
             </a:r>
             <a:endParaRPr dirty="0">
               <a:latin typeface="Times New Roman" pitchFamily="18" charset="0"/>
@@ -22768,18 +22735,17 @@
                 </a:solidFill>
                 <a:latin typeface="Times New Roman" pitchFamily="18" charset="0"/>
               </a:rPr>
-              <a:t>Querying the data according to the requirement.</a:t>
+              <a:t>Querying the data according to the requirement</a:t>
             </a:r>
-          </a:p>
-          <a:p>
-            <a:pPr marL="285750" indent="-285750">
-              <a:buClr>
-                <a:schemeClr val="tx1"/>
-              </a:buClr>
-              <a:buSzPct val="125000"/>
-              <a:buFont typeface="Arial" pitchFamily="34" charset="0"/>
-              <a:buChar char="•"/>
-            </a:pPr>
+            <a:r>
+              <a:rPr lang="en-IN" sz="1800" dirty="0" smtClean="0">
+                <a:solidFill>
+                  <a:schemeClr val="tx1"/>
+                </a:solidFill>
+                <a:latin typeface="Times New Roman" pitchFamily="18" charset="0"/>
+              </a:rPr>
+              <a:t>.</a:t>
+            </a:r>
             <a:endParaRPr lang="en-IN" sz="1800" dirty="0" smtClean="0">
               <a:solidFill>
                 <a:schemeClr val="tx1"/>

--- a/presentation_to_seniors.pptx
+++ b/presentation_to_seniors.pptx
@@ -14962,7 +14962,7 @@
         </p:nvSpPr>
         <p:spPr>
           <a:xfrm>
-            <a:off x="968332" y="1203598"/>
+            <a:off x="968332" y="1419622"/>
             <a:ext cx="3171620" cy="2952328"/>
           </a:xfrm>
           <a:prstGeom prst="rect">
@@ -15352,7 +15352,7 @@
         </p:blipFill>
         <p:spPr bwMode="auto">
           <a:xfrm>
-            <a:off x="4355976" y="1154667"/>
+            <a:off x="4355976" y="1370691"/>
             <a:ext cx="2737734" cy="2762622"/>
           </a:xfrm>
           <a:prstGeom prst="rect">
@@ -26182,7 +26182,7 @@
         </p:nvSpPr>
         <p:spPr>
           <a:xfrm>
-            <a:off x="715820" y="1491630"/>
+            <a:off x="971600" y="1923678"/>
             <a:ext cx="3171620" cy="2952328"/>
           </a:xfrm>
           <a:prstGeom prst="rect">
@@ -26583,7 +26583,7 @@
         </p:nvSpPr>
         <p:spPr>
           <a:xfrm>
-            <a:off x="4096928" y="1491630"/>
+            <a:off x="4352708" y="1923678"/>
             <a:ext cx="3171620" cy="2880320"/>
           </a:xfrm>
           <a:prstGeom prst="rect">
@@ -26956,6 +26956,275 @@
                 <a:latin typeface="Times New Roman" pitchFamily="18" charset="0"/>
               </a:rPr>
               <a:t>Then for this I used “nested” which can store array of values(subject details)</a:t>
+            </a:r>
+          </a:p>
+        </p:txBody>
+      </p:sp>
+      <p:sp>
+        <p:nvSpPr>
+          <p:cNvPr id="30" name="Google Shape;630;p60"/>
+          <p:cNvSpPr txBox="1">
+            <a:spLocks/>
+          </p:cNvSpPr>
+          <p:nvPr/>
+        </p:nvSpPr>
+        <p:spPr>
+          <a:xfrm>
+            <a:off x="755046" y="1368633"/>
+            <a:ext cx="7417354" cy="555045"/>
+          </a:xfrm>
+          <a:prstGeom prst="rect">
+            <a:avLst/>
+          </a:prstGeom>
+        </p:spPr>
+        <p:txBody>
+          <a:bodyPr spcFirstLastPara="1" wrap="square" lIns="91425" tIns="91425" rIns="91425" bIns="91425" anchor="t" anchorCtr="0">
+            <a:noAutofit/>
+          </a:bodyPr>
+          <a:lstStyle>
+            <a:defPPr marR="0" lvl="0" algn="l" rtl="0">
+              <a:lnSpc>
+                <a:spcPct val="100000"/>
+              </a:lnSpc>
+              <a:spcBef>
+                <a:spcPts val="0"/>
+              </a:spcBef>
+              <a:spcAft>
+                <a:spcPts val="0"/>
+              </a:spcAft>
+            </a:defPPr>
+            <a:lvl1pPr marR="0" lvl="0" algn="l" rtl="0">
+              <a:lnSpc>
+                <a:spcPct val="100000"/>
+              </a:lnSpc>
+              <a:spcBef>
+                <a:spcPts val="0"/>
+              </a:spcBef>
+              <a:spcAft>
+                <a:spcPts val="0"/>
+              </a:spcAft>
+              <a:buClr>
+                <a:srgbClr val="000000"/>
+              </a:buClr>
+              <a:buFont typeface="Arial"/>
+              <a:defRPr sz="1400" b="0" i="0" u="none" strike="noStrike" cap="none">
+                <a:solidFill>
+                  <a:srgbClr val="000000"/>
+                </a:solidFill>
+                <a:latin typeface="Arial"/>
+                <a:ea typeface="Arial"/>
+                <a:cs typeface="Arial"/>
+                <a:sym typeface="Arial"/>
+              </a:defRPr>
+            </a:lvl1pPr>
+            <a:lvl2pPr marR="0" lvl="1" algn="l" rtl="0">
+              <a:lnSpc>
+                <a:spcPct val="100000"/>
+              </a:lnSpc>
+              <a:spcBef>
+                <a:spcPts val="0"/>
+              </a:spcBef>
+              <a:spcAft>
+                <a:spcPts val="0"/>
+              </a:spcAft>
+              <a:buClr>
+                <a:srgbClr val="000000"/>
+              </a:buClr>
+              <a:buFont typeface="Arial"/>
+              <a:defRPr sz="1400" b="0" i="0" u="none" strike="noStrike" cap="none">
+                <a:solidFill>
+                  <a:srgbClr val="000000"/>
+                </a:solidFill>
+                <a:latin typeface="Arial"/>
+                <a:ea typeface="Arial"/>
+                <a:cs typeface="Arial"/>
+                <a:sym typeface="Arial"/>
+              </a:defRPr>
+            </a:lvl2pPr>
+            <a:lvl3pPr marR="0" lvl="2" algn="l" rtl="0">
+              <a:lnSpc>
+                <a:spcPct val="100000"/>
+              </a:lnSpc>
+              <a:spcBef>
+                <a:spcPts val="0"/>
+              </a:spcBef>
+              <a:spcAft>
+                <a:spcPts val="0"/>
+              </a:spcAft>
+              <a:buClr>
+                <a:srgbClr val="000000"/>
+              </a:buClr>
+              <a:buFont typeface="Arial"/>
+              <a:defRPr sz="1400" b="0" i="0" u="none" strike="noStrike" cap="none">
+                <a:solidFill>
+                  <a:srgbClr val="000000"/>
+                </a:solidFill>
+                <a:latin typeface="Arial"/>
+                <a:ea typeface="Arial"/>
+                <a:cs typeface="Arial"/>
+                <a:sym typeface="Arial"/>
+              </a:defRPr>
+            </a:lvl3pPr>
+            <a:lvl4pPr marR="0" lvl="3" algn="l" rtl="0">
+              <a:lnSpc>
+                <a:spcPct val="100000"/>
+              </a:lnSpc>
+              <a:spcBef>
+                <a:spcPts val="0"/>
+              </a:spcBef>
+              <a:spcAft>
+                <a:spcPts val="0"/>
+              </a:spcAft>
+              <a:buClr>
+                <a:srgbClr val="000000"/>
+              </a:buClr>
+              <a:buFont typeface="Arial"/>
+              <a:defRPr sz="1400" b="0" i="0" u="none" strike="noStrike" cap="none">
+                <a:solidFill>
+                  <a:srgbClr val="000000"/>
+                </a:solidFill>
+                <a:latin typeface="Arial"/>
+                <a:ea typeface="Arial"/>
+                <a:cs typeface="Arial"/>
+                <a:sym typeface="Arial"/>
+              </a:defRPr>
+            </a:lvl4pPr>
+            <a:lvl5pPr marR="0" lvl="4" algn="l" rtl="0">
+              <a:lnSpc>
+                <a:spcPct val="100000"/>
+              </a:lnSpc>
+              <a:spcBef>
+                <a:spcPts val="0"/>
+              </a:spcBef>
+              <a:spcAft>
+                <a:spcPts val="0"/>
+              </a:spcAft>
+              <a:buClr>
+                <a:srgbClr val="000000"/>
+              </a:buClr>
+              <a:buFont typeface="Arial"/>
+              <a:defRPr sz="1400" b="0" i="0" u="none" strike="noStrike" cap="none">
+                <a:solidFill>
+                  <a:srgbClr val="000000"/>
+                </a:solidFill>
+                <a:latin typeface="Arial"/>
+                <a:ea typeface="Arial"/>
+                <a:cs typeface="Arial"/>
+                <a:sym typeface="Arial"/>
+              </a:defRPr>
+            </a:lvl5pPr>
+            <a:lvl6pPr marR="0" lvl="5" algn="l" rtl="0">
+              <a:lnSpc>
+                <a:spcPct val="100000"/>
+              </a:lnSpc>
+              <a:spcBef>
+                <a:spcPts val="0"/>
+              </a:spcBef>
+              <a:spcAft>
+                <a:spcPts val="0"/>
+              </a:spcAft>
+              <a:buClr>
+                <a:srgbClr val="000000"/>
+              </a:buClr>
+              <a:buFont typeface="Arial"/>
+              <a:defRPr sz="1400" b="0" i="0" u="none" strike="noStrike" cap="none">
+                <a:solidFill>
+                  <a:srgbClr val="000000"/>
+                </a:solidFill>
+                <a:latin typeface="Arial"/>
+                <a:ea typeface="Arial"/>
+                <a:cs typeface="Arial"/>
+                <a:sym typeface="Arial"/>
+              </a:defRPr>
+            </a:lvl6pPr>
+            <a:lvl7pPr marR="0" lvl="6" algn="l" rtl="0">
+              <a:lnSpc>
+                <a:spcPct val="100000"/>
+              </a:lnSpc>
+              <a:spcBef>
+                <a:spcPts val="0"/>
+              </a:spcBef>
+              <a:spcAft>
+                <a:spcPts val="0"/>
+              </a:spcAft>
+              <a:buClr>
+                <a:srgbClr val="000000"/>
+              </a:buClr>
+              <a:buFont typeface="Arial"/>
+              <a:defRPr sz="1400" b="0" i="0" u="none" strike="noStrike" cap="none">
+                <a:solidFill>
+                  <a:srgbClr val="000000"/>
+                </a:solidFill>
+                <a:latin typeface="Arial"/>
+                <a:ea typeface="Arial"/>
+                <a:cs typeface="Arial"/>
+                <a:sym typeface="Arial"/>
+              </a:defRPr>
+            </a:lvl7pPr>
+            <a:lvl8pPr marR="0" lvl="7" algn="l" rtl="0">
+              <a:lnSpc>
+                <a:spcPct val="100000"/>
+              </a:lnSpc>
+              <a:spcBef>
+                <a:spcPts val="0"/>
+              </a:spcBef>
+              <a:spcAft>
+                <a:spcPts val="0"/>
+              </a:spcAft>
+              <a:buClr>
+                <a:srgbClr val="000000"/>
+              </a:buClr>
+              <a:buFont typeface="Arial"/>
+              <a:defRPr sz="1400" b="0" i="0" u="none" strike="noStrike" cap="none">
+                <a:solidFill>
+                  <a:srgbClr val="000000"/>
+                </a:solidFill>
+                <a:latin typeface="Arial"/>
+                <a:ea typeface="Arial"/>
+                <a:cs typeface="Arial"/>
+                <a:sym typeface="Arial"/>
+              </a:defRPr>
+            </a:lvl8pPr>
+            <a:lvl9pPr marR="0" lvl="8" algn="l" rtl="0">
+              <a:lnSpc>
+                <a:spcPct val="100000"/>
+              </a:lnSpc>
+              <a:spcBef>
+                <a:spcPts val="0"/>
+              </a:spcBef>
+              <a:spcAft>
+                <a:spcPts val="0"/>
+              </a:spcAft>
+              <a:buClr>
+                <a:srgbClr val="000000"/>
+              </a:buClr>
+              <a:buFont typeface="Arial"/>
+              <a:defRPr sz="1400" b="0" i="0" u="none" strike="noStrike" cap="none">
+                <a:solidFill>
+                  <a:srgbClr val="000000"/>
+                </a:solidFill>
+                <a:latin typeface="Arial"/>
+                <a:ea typeface="Arial"/>
+                <a:cs typeface="Arial"/>
+                <a:sym typeface="Arial"/>
+              </a:defRPr>
+            </a:lvl9pPr>
+          </a:lstStyle>
+          <a:p>
+            <a:pPr>
+              <a:buClr>
+                <a:schemeClr val="tx1"/>
+              </a:buClr>
+              <a:buSzPct val="125000"/>
+            </a:pPr>
+            <a:r>
+              <a:rPr lang="en-IN" sz="1800" dirty="0" smtClean="0">
+                <a:solidFill>
+                  <a:schemeClr val="tx1"/>
+                </a:solidFill>
+                <a:latin typeface="Times New Roman" pitchFamily="18" charset="0"/>
+              </a:rPr>
+              <a:t>Firstly started with a Student example but not with the actual requirement.</a:t>
             </a:r>
           </a:p>
         </p:txBody>
@@ -27883,7 +28152,7 @@
           <a:p>
             <a:r>
               <a:rPr lang="en-IN" sz="3000" dirty="0" smtClean="0"/>
-              <a:t>Student Example</a:t>
+              <a:t>Requirement Explanation</a:t>
             </a:r>
             <a:endParaRPr lang="en-IN" sz="3000" dirty="0"/>
           </a:p>
@@ -27897,7 +28166,7 @@
         </p:nvSpPr>
         <p:spPr>
           <a:xfrm rot="2700000">
-            <a:off x="1245397" y="2486040"/>
+            <a:off x="1245397" y="2203756"/>
             <a:ext cx="626638" cy="626638"/>
           </a:xfrm>
           <a:prstGeom prst="rect">
@@ -27937,7 +28206,7 @@
         </p:nvSpPr>
         <p:spPr>
           <a:xfrm rot="2700000">
-            <a:off x="3909693" y="2485509"/>
+            <a:off x="3909693" y="2203225"/>
             <a:ext cx="626638" cy="626638"/>
           </a:xfrm>
           <a:prstGeom prst="rect">
@@ -27977,7 +28246,7 @@
         </p:nvSpPr>
         <p:spPr>
           <a:xfrm rot="2700000">
-            <a:off x="7078045" y="2485507"/>
+            <a:off x="7078045" y="2203223"/>
             <a:ext cx="626638" cy="626638"/>
           </a:xfrm>
           <a:prstGeom prst="rect">
@@ -28017,7 +28286,7 @@
         </p:nvSpPr>
         <p:spPr>
           <a:xfrm rot="2700000">
-            <a:off x="2735461" y="3694165"/>
+            <a:off x="2735461" y="3411881"/>
             <a:ext cx="626638" cy="626638"/>
           </a:xfrm>
           <a:prstGeom prst="rect">
@@ -28057,7 +28326,7 @@
         </p:nvSpPr>
         <p:spPr>
           <a:xfrm rot="2700000">
-            <a:off x="5386573" y="3672087"/>
+            <a:off x="5386573" y="3389803"/>
             <a:ext cx="626638" cy="626638"/>
           </a:xfrm>
           <a:prstGeom prst="rect">
@@ -28129,275 +28398,6 @@
           </a:p>
         </p:txBody>
       </p:sp>
-      <p:sp>
-        <p:nvSpPr>
-          <p:cNvPr id="10" name="Google Shape;630;p60"/>
-          <p:cNvSpPr txBox="1">
-            <a:spLocks/>
-          </p:cNvSpPr>
-          <p:nvPr/>
-        </p:nvSpPr>
-        <p:spPr>
-          <a:xfrm>
-            <a:off x="827054" y="1203598"/>
-            <a:ext cx="7417354" cy="555045"/>
-          </a:xfrm>
-          <a:prstGeom prst="rect">
-            <a:avLst/>
-          </a:prstGeom>
-        </p:spPr>
-        <p:txBody>
-          <a:bodyPr spcFirstLastPara="1" wrap="square" lIns="91425" tIns="91425" rIns="91425" bIns="91425" anchor="t" anchorCtr="0">
-            <a:noAutofit/>
-          </a:bodyPr>
-          <a:lstStyle>
-            <a:defPPr marR="0" lvl="0" algn="l" rtl="0">
-              <a:lnSpc>
-                <a:spcPct val="100000"/>
-              </a:lnSpc>
-              <a:spcBef>
-                <a:spcPts val="0"/>
-              </a:spcBef>
-              <a:spcAft>
-                <a:spcPts val="0"/>
-              </a:spcAft>
-            </a:defPPr>
-            <a:lvl1pPr marR="0" lvl="0" algn="l" rtl="0">
-              <a:lnSpc>
-                <a:spcPct val="100000"/>
-              </a:lnSpc>
-              <a:spcBef>
-                <a:spcPts val="0"/>
-              </a:spcBef>
-              <a:spcAft>
-                <a:spcPts val="0"/>
-              </a:spcAft>
-              <a:buClr>
-                <a:srgbClr val="000000"/>
-              </a:buClr>
-              <a:buFont typeface="Arial"/>
-              <a:defRPr sz="1400" b="0" i="0" u="none" strike="noStrike" cap="none">
-                <a:solidFill>
-                  <a:srgbClr val="000000"/>
-                </a:solidFill>
-                <a:latin typeface="Arial"/>
-                <a:ea typeface="Arial"/>
-                <a:cs typeface="Arial"/>
-                <a:sym typeface="Arial"/>
-              </a:defRPr>
-            </a:lvl1pPr>
-            <a:lvl2pPr marR="0" lvl="1" algn="l" rtl="0">
-              <a:lnSpc>
-                <a:spcPct val="100000"/>
-              </a:lnSpc>
-              <a:spcBef>
-                <a:spcPts val="0"/>
-              </a:spcBef>
-              <a:spcAft>
-                <a:spcPts val="0"/>
-              </a:spcAft>
-              <a:buClr>
-                <a:srgbClr val="000000"/>
-              </a:buClr>
-              <a:buFont typeface="Arial"/>
-              <a:defRPr sz="1400" b="0" i="0" u="none" strike="noStrike" cap="none">
-                <a:solidFill>
-                  <a:srgbClr val="000000"/>
-                </a:solidFill>
-                <a:latin typeface="Arial"/>
-                <a:ea typeface="Arial"/>
-                <a:cs typeface="Arial"/>
-                <a:sym typeface="Arial"/>
-              </a:defRPr>
-            </a:lvl2pPr>
-            <a:lvl3pPr marR="0" lvl="2" algn="l" rtl="0">
-              <a:lnSpc>
-                <a:spcPct val="100000"/>
-              </a:lnSpc>
-              <a:spcBef>
-                <a:spcPts val="0"/>
-              </a:spcBef>
-              <a:spcAft>
-                <a:spcPts val="0"/>
-              </a:spcAft>
-              <a:buClr>
-                <a:srgbClr val="000000"/>
-              </a:buClr>
-              <a:buFont typeface="Arial"/>
-              <a:defRPr sz="1400" b="0" i="0" u="none" strike="noStrike" cap="none">
-                <a:solidFill>
-                  <a:srgbClr val="000000"/>
-                </a:solidFill>
-                <a:latin typeface="Arial"/>
-                <a:ea typeface="Arial"/>
-                <a:cs typeface="Arial"/>
-                <a:sym typeface="Arial"/>
-              </a:defRPr>
-            </a:lvl3pPr>
-            <a:lvl4pPr marR="0" lvl="3" algn="l" rtl="0">
-              <a:lnSpc>
-                <a:spcPct val="100000"/>
-              </a:lnSpc>
-              <a:spcBef>
-                <a:spcPts val="0"/>
-              </a:spcBef>
-              <a:spcAft>
-                <a:spcPts val="0"/>
-              </a:spcAft>
-              <a:buClr>
-                <a:srgbClr val="000000"/>
-              </a:buClr>
-              <a:buFont typeface="Arial"/>
-              <a:defRPr sz="1400" b="0" i="0" u="none" strike="noStrike" cap="none">
-                <a:solidFill>
-                  <a:srgbClr val="000000"/>
-                </a:solidFill>
-                <a:latin typeface="Arial"/>
-                <a:ea typeface="Arial"/>
-                <a:cs typeface="Arial"/>
-                <a:sym typeface="Arial"/>
-              </a:defRPr>
-            </a:lvl4pPr>
-            <a:lvl5pPr marR="0" lvl="4" algn="l" rtl="0">
-              <a:lnSpc>
-                <a:spcPct val="100000"/>
-              </a:lnSpc>
-              <a:spcBef>
-                <a:spcPts val="0"/>
-              </a:spcBef>
-              <a:spcAft>
-                <a:spcPts val="0"/>
-              </a:spcAft>
-              <a:buClr>
-                <a:srgbClr val="000000"/>
-              </a:buClr>
-              <a:buFont typeface="Arial"/>
-              <a:defRPr sz="1400" b="0" i="0" u="none" strike="noStrike" cap="none">
-                <a:solidFill>
-                  <a:srgbClr val="000000"/>
-                </a:solidFill>
-                <a:latin typeface="Arial"/>
-                <a:ea typeface="Arial"/>
-                <a:cs typeface="Arial"/>
-                <a:sym typeface="Arial"/>
-              </a:defRPr>
-            </a:lvl5pPr>
-            <a:lvl6pPr marR="0" lvl="5" algn="l" rtl="0">
-              <a:lnSpc>
-                <a:spcPct val="100000"/>
-              </a:lnSpc>
-              <a:spcBef>
-                <a:spcPts val="0"/>
-              </a:spcBef>
-              <a:spcAft>
-                <a:spcPts val="0"/>
-              </a:spcAft>
-              <a:buClr>
-                <a:srgbClr val="000000"/>
-              </a:buClr>
-              <a:buFont typeface="Arial"/>
-              <a:defRPr sz="1400" b="0" i="0" u="none" strike="noStrike" cap="none">
-                <a:solidFill>
-                  <a:srgbClr val="000000"/>
-                </a:solidFill>
-                <a:latin typeface="Arial"/>
-                <a:ea typeface="Arial"/>
-                <a:cs typeface="Arial"/>
-                <a:sym typeface="Arial"/>
-              </a:defRPr>
-            </a:lvl6pPr>
-            <a:lvl7pPr marR="0" lvl="6" algn="l" rtl="0">
-              <a:lnSpc>
-                <a:spcPct val="100000"/>
-              </a:lnSpc>
-              <a:spcBef>
-                <a:spcPts val="0"/>
-              </a:spcBef>
-              <a:spcAft>
-                <a:spcPts val="0"/>
-              </a:spcAft>
-              <a:buClr>
-                <a:srgbClr val="000000"/>
-              </a:buClr>
-              <a:buFont typeface="Arial"/>
-              <a:defRPr sz="1400" b="0" i="0" u="none" strike="noStrike" cap="none">
-                <a:solidFill>
-                  <a:srgbClr val="000000"/>
-                </a:solidFill>
-                <a:latin typeface="Arial"/>
-                <a:ea typeface="Arial"/>
-                <a:cs typeface="Arial"/>
-                <a:sym typeface="Arial"/>
-              </a:defRPr>
-            </a:lvl7pPr>
-            <a:lvl8pPr marR="0" lvl="7" algn="l" rtl="0">
-              <a:lnSpc>
-                <a:spcPct val="100000"/>
-              </a:lnSpc>
-              <a:spcBef>
-                <a:spcPts val="0"/>
-              </a:spcBef>
-              <a:spcAft>
-                <a:spcPts val="0"/>
-              </a:spcAft>
-              <a:buClr>
-                <a:srgbClr val="000000"/>
-              </a:buClr>
-              <a:buFont typeface="Arial"/>
-              <a:defRPr sz="1400" b="0" i="0" u="none" strike="noStrike" cap="none">
-                <a:solidFill>
-                  <a:srgbClr val="000000"/>
-                </a:solidFill>
-                <a:latin typeface="Arial"/>
-                <a:ea typeface="Arial"/>
-                <a:cs typeface="Arial"/>
-                <a:sym typeface="Arial"/>
-              </a:defRPr>
-            </a:lvl8pPr>
-            <a:lvl9pPr marR="0" lvl="8" algn="l" rtl="0">
-              <a:lnSpc>
-                <a:spcPct val="100000"/>
-              </a:lnSpc>
-              <a:spcBef>
-                <a:spcPts val="0"/>
-              </a:spcBef>
-              <a:spcAft>
-                <a:spcPts val="0"/>
-              </a:spcAft>
-              <a:buClr>
-                <a:srgbClr val="000000"/>
-              </a:buClr>
-              <a:buFont typeface="Arial"/>
-              <a:defRPr sz="1400" b="0" i="0" u="none" strike="noStrike" cap="none">
-                <a:solidFill>
-                  <a:srgbClr val="000000"/>
-                </a:solidFill>
-                <a:latin typeface="Arial"/>
-                <a:ea typeface="Arial"/>
-                <a:cs typeface="Arial"/>
-                <a:sym typeface="Arial"/>
-              </a:defRPr>
-            </a:lvl9pPr>
-          </a:lstStyle>
-          <a:p>
-            <a:pPr>
-              <a:buClr>
-                <a:schemeClr val="tx1"/>
-              </a:buClr>
-              <a:buSzPct val="125000"/>
-            </a:pPr>
-            <a:r>
-              <a:rPr lang="en-IN" sz="1800" dirty="0" smtClean="0">
-                <a:solidFill>
-                  <a:schemeClr val="tx1"/>
-                </a:solidFill>
-                <a:latin typeface="Times New Roman" pitchFamily="18" charset="0"/>
-              </a:rPr>
-              <a:t>Firstly started with a Student example but not with the actual requirement.</a:t>
-            </a:r>
-          </a:p>
-        </p:txBody>
-      </p:sp>
       <p:cxnSp>
         <p:nvCxnSpPr>
           <p:cNvPr id="24" name="Google Shape;872;p78"/>
@@ -28406,7 +28406,7 @@
         </p:nvCxnSpPr>
         <p:spPr>
           <a:xfrm rot="10800000">
-            <a:off x="1558718" y="3219846"/>
+            <a:off x="1558718" y="2937562"/>
             <a:ext cx="1046963" cy="787639"/>
           </a:xfrm>
           <a:prstGeom prst="bentConnector3">
@@ -28434,7 +28434,7 @@
         </p:nvCxnSpPr>
         <p:spPr>
           <a:xfrm rot="5400000">
-            <a:off x="3042956" y="2806051"/>
+            <a:off x="3042956" y="2523767"/>
             <a:ext cx="765558" cy="751108"/>
           </a:xfrm>
           <a:prstGeom prst="bentConnector3">
@@ -28462,7 +28462,7 @@
         </p:nvCxnSpPr>
         <p:spPr>
           <a:xfrm>
-            <a:off x="4644008" y="2799360"/>
+            <a:off x="4644008" y="2517076"/>
             <a:ext cx="1055884" cy="742946"/>
           </a:xfrm>
           <a:prstGeom prst="bentConnector3">
@@ -28490,7 +28490,7 @@
         </p:nvCxnSpPr>
         <p:spPr>
           <a:xfrm rot="10800000" flipV="1">
-            <a:off x="6142992" y="3241926"/>
+            <a:off x="6142992" y="2959642"/>
             <a:ext cx="1248372" cy="743480"/>
           </a:xfrm>
           <a:prstGeom prst="bentConnector3">
@@ -28520,7 +28520,7 @@
         </p:nvSpPr>
         <p:spPr>
           <a:xfrm>
-            <a:off x="1430826" y="2583336"/>
+            <a:off x="1430826" y="2301052"/>
             <a:ext cx="255780" cy="432048"/>
           </a:xfrm>
           <a:prstGeom prst="rect">
@@ -28795,7 +28795,7 @@
         </p:nvSpPr>
         <p:spPr>
           <a:xfrm>
-            <a:off x="2870312" y="3769382"/>
+            <a:off x="2870312" y="3487098"/>
             <a:ext cx="543359" cy="432048"/>
           </a:xfrm>
           <a:prstGeom prst="rect">
@@ -29070,7 +29070,7 @@
         </p:nvSpPr>
         <p:spPr>
           <a:xfrm>
-            <a:off x="4000455" y="2571750"/>
+            <a:off x="4000455" y="2289466"/>
             <a:ext cx="571545" cy="432048"/>
           </a:xfrm>
           <a:prstGeom prst="rect">
@@ -29345,7 +29345,7 @@
         </p:nvSpPr>
         <p:spPr>
           <a:xfrm>
-            <a:off x="5488426" y="3750382"/>
+            <a:off x="5488426" y="3468098"/>
             <a:ext cx="523734" cy="432048"/>
           </a:xfrm>
           <a:prstGeom prst="rect">
@@ -29620,7 +29620,7 @@
         </p:nvSpPr>
         <p:spPr>
           <a:xfrm>
-            <a:off x="971600" y="1779662"/>
+            <a:off x="971600" y="1497378"/>
             <a:ext cx="1520994" cy="432048"/>
           </a:xfrm>
           <a:prstGeom prst="rect">
@@ -29889,7 +29889,7 @@
         </p:nvSpPr>
         <p:spPr>
           <a:xfrm>
-            <a:off x="2267744" y="4371950"/>
+            <a:off x="2051720" y="4089666"/>
             <a:ext cx="2018483" cy="720080"/>
           </a:xfrm>
           <a:prstGeom prst="rect">
@@ -30130,7 +30130,7 @@
             </a:lvl9pPr>
           </a:lstStyle>
           <a:p>
-            <a:pPr lvl="1">
+            <a:pPr lvl="1" algn="ctr">
               <a:buClr>
                 <a:schemeClr val="tx1"/>
               </a:buClr>
@@ -30158,7 +30158,7 @@
         </p:nvSpPr>
         <p:spPr>
           <a:xfrm>
-            <a:off x="3768007" y="1779661"/>
+            <a:off x="3768007" y="1497377"/>
             <a:ext cx="1008112" cy="432049"/>
           </a:xfrm>
           <a:prstGeom prst="rect">
@@ -30433,7 +30433,7 @@
         </p:nvSpPr>
         <p:spPr>
           <a:xfrm>
-            <a:off x="5001789" y="4378576"/>
+            <a:off x="4716016" y="4096292"/>
             <a:ext cx="2018483" cy="713454"/>
           </a:xfrm>
           <a:prstGeom prst="rect">
@@ -30674,7 +30674,7 @@
             </a:lvl9pPr>
           </a:lstStyle>
           <a:p>
-            <a:pPr lvl="1">
+            <a:pPr lvl="1" algn="ctr">
               <a:buClr>
                 <a:schemeClr val="tx1"/>
               </a:buClr>
@@ -30711,7 +30711,7 @@
         </p:nvSpPr>
         <p:spPr>
           <a:xfrm>
-            <a:off x="6732240" y="1635645"/>
+            <a:off x="6352322" y="1353361"/>
             <a:ext cx="2088232" cy="648073"/>
           </a:xfrm>
           <a:prstGeom prst="rect">
@@ -30952,7 +30952,7 @@
             </a:lvl9pPr>
           </a:lstStyle>
           <a:p>
-            <a:pPr lvl="1">
+            <a:pPr lvl="1" algn="ctr">
               <a:buClr>
                 <a:schemeClr val="tx1"/>
               </a:buClr>
@@ -30980,7 +30980,7 @@
         </p:nvSpPr>
         <p:spPr>
           <a:xfrm>
-            <a:off x="7216618" y="2578376"/>
+            <a:off x="7216618" y="2296092"/>
             <a:ext cx="523734" cy="432048"/>
           </a:xfrm>
           <a:prstGeom prst="rect">
